--- a/learn-dynamics-pr/power-platform/get-started-component-framework/media-layered/composition.pptx
+++ b/learn-dynamics-pr/power-platform/get-started-component-framework/media-layered/composition.pptx
@@ -2,10 +2,10 @@
 <file path=ppt/presentation.xml><?xml version="1.0" encoding="utf-8"?>
 <p:presentation xmlns:a="http://schemas.openxmlformats.org/drawingml/2006/main" xmlns:r="http://schemas.openxmlformats.org/officeDocument/2006/relationships" xmlns:p="http://schemas.openxmlformats.org/presentationml/2006/main" saveSubsetFonts="1">
   <p:sldMasterIdLst>
-    <p:sldMasterId id="2147483648" r:id="rId4"/>
+    <p:sldMasterId id="2147483648" r:id="rId1"/>
   </p:sldMasterIdLst>
   <p:sldIdLst>
-    <p:sldId id="256" r:id="rId5"/>
+    <p:sldId id="256" r:id="rId2"/>
   </p:sldIdLst>
   <p:sldSz cx="12192000" cy="6858000"/>
   <p:notesSz cx="6858000" cy="9144000"/>
@@ -104,11 +104,6 @@
       </a:defRPr>
     </a:lvl9pPr>
   </p:defaultTextStyle>
-  <p:extLst>
-    <p:ext uri="{EFAFB233-063F-42B5-8137-9DF3F51BA10A}">
-      <p15:sldGuideLst xmlns:p15="http://schemas.microsoft.com/office/powerpoint/2012/main"/>
-    </p:ext>
-  </p:extLst>
 </p:presentation>
 </file>
 
@@ -152,9 +147,9 @@
           </a:xfrm>
         </p:spPr>
         <p:txBody>
-          <a:bodyPr rtlCol="1" anchor="b"/>
+          <a:bodyPr anchor="b"/>
           <a:lstStyle>
-            <a:lvl1pPr algn="ctr" rtl="1">
+            <a:lvl1pPr algn="ctr">
               <a:defRPr sz="6000"/>
             </a:lvl1pPr>
           </a:lstStyle>
@@ -189,41 +184,41 @@
           </a:xfrm>
         </p:spPr>
         <p:txBody>
-          <a:bodyPr rtlCol="1"/>
+          <a:bodyPr/>
           <a:lstStyle>
-            <a:lvl1pPr marL="0" indent="0" algn="ctr" rtl="1">
+            <a:lvl1pPr marL="0" indent="0" algn="ctr">
               <a:buNone/>
               <a:defRPr sz="2400"/>
             </a:lvl1pPr>
-            <a:lvl2pPr marL="457200" indent="0" algn="ctr" rtl="1">
+            <a:lvl2pPr marL="457200" indent="0" algn="ctr">
               <a:buNone/>
               <a:defRPr sz="2000"/>
             </a:lvl2pPr>
-            <a:lvl3pPr marL="914400" indent="0" algn="ctr" rtl="1">
+            <a:lvl3pPr marL="914400" indent="0" algn="ctr">
               <a:buNone/>
               <a:defRPr sz="1800"/>
             </a:lvl3pPr>
-            <a:lvl4pPr marL="1371600" indent="0" algn="ctr" rtl="1">
+            <a:lvl4pPr marL="1371600" indent="0" algn="ctr">
               <a:buNone/>
               <a:defRPr sz="1600"/>
             </a:lvl4pPr>
-            <a:lvl5pPr marL="1828800" indent="0" algn="ctr" rtl="1">
+            <a:lvl5pPr marL="1828800" indent="0" algn="ctr">
               <a:buNone/>
               <a:defRPr sz="1600"/>
             </a:lvl5pPr>
-            <a:lvl6pPr marL="2286000" indent="0" algn="ctr" rtl="1">
+            <a:lvl6pPr marL="2286000" indent="0" algn="ctr">
               <a:buNone/>
               <a:defRPr sz="1600"/>
             </a:lvl6pPr>
-            <a:lvl7pPr marL="2743200" indent="0" algn="ctr" rtl="1">
+            <a:lvl7pPr marL="2743200" indent="0" algn="ctr">
               <a:buNone/>
               <a:defRPr sz="1600"/>
             </a:lvl7pPr>
-            <a:lvl8pPr marL="3200400" indent="0" algn="ctr" rtl="1">
+            <a:lvl8pPr marL="3200400" indent="0" algn="ctr">
               <a:buNone/>
               <a:defRPr sz="1600"/>
             </a:lvl8pPr>
-            <a:lvl9pPr marL="3657600" indent="0" algn="ctr" rtl="1">
+            <a:lvl9pPr marL="3657600" indent="0" algn="ctr">
               <a:buNone/>
               <a:defRPr sz="1600"/>
             </a:lvl9pPr>
@@ -254,14 +249,12 @@
         </p:nvSpPr>
         <p:spPr/>
         <p:txBody>
-          <a:bodyPr rtlCol="1"/>
-          <a:lstStyle>
-            <a:lvl1pPr algn="r" rtl="1"/>
-          </a:lstStyle>
+          <a:bodyPr/>
+          <a:lstStyle/>
           <a:p>
             <a:fld id="{27B9CFF2-2F1B-4CFB-987C-04273330BC99}" type="datetimeFigureOut">
               <a:rPr lang="en-US" smtClean="0"/>
-              <a:t>10/20/2021</a:t>
+              <a:t>5/11/2021</a:t>
             </a:fld>
             <a:endParaRPr lang="en-US"/>
           </a:p>
@@ -285,10 +278,8 @@
         </p:nvSpPr>
         <p:spPr/>
         <p:txBody>
-          <a:bodyPr rtlCol="1"/>
-          <a:lstStyle>
-            <a:lvl1pPr algn="r" rtl="1"/>
-          </a:lstStyle>
+          <a:bodyPr/>
+          <a:lstStyle/>
           <a:p>
             <a:endParaRPr lang="en-US"/>
           </a:p>
@@ -312,10 +303,8 @@
         </p:nvSpPr>
         <p:spPr/>
         <p:txBody>
-          <a:bodyPr rtlCol="1"/>
-          <a:lstStyle>
-            <a:lvl1pPr algn="r" rtl="1"/>
-          </a:lstStyle>
+          <a:bodyPr/>
+          <a:lstStyle/>
           <a:p>
             <a:fld id="{A0C3C6A1-07F8-4575-A0DF-9CFD50882D10}" type="slidenum">
               <a:rPr lang="en-US" smtClean="0"/>
@@ -373,10 +362,8 @@
         </p:nvSpPr>
         <p:spPr/>
         <p:txBody>
-          <a:bodyPr rtlCol="1"/>
-          <a:lstStyle>
-            <a:lvl1pPr algn="r" rtl="1"/>
-          </a:lstStyle>
+          <a:bodyPr/>
+          <a:lstStyle/>
           <a:p>
             <a:r>
               <a:rPr lang="en-US"/>
@@ -403,40 +390,38 @@
         </p:nvSpPr>
         <p:spPr/>
         <p:txBody>
-          <a:bodyPr vert="eaVert" rtlCol="1"/>
-          <a:lstStyle>
-            <a:lvl1pPr algn="r" rtl="1"/>
-          </a:lstStyle>
-          <a:p>
-            <a:pPr lvl="0" algn="r" rtl="1"/>
+          <a:bodyPr vert="eaVert"/>
+          <a:lstStyle/>
+          <a:p>
+            <a:pPr lvl="0"/>
             <a:r>
               <a:rPr lang="en-US"/>
               <a:t>Click to edit Master text styles</a:t>
             </a:r>
           </a:p>
           <a:p>
-            <a:pPr lvl="1" algn="r" rtl="1"/>
+            <a:pPr lvl="1"/>
             <a:r>
               <a:rPr lang="en-US"/>
               <a:t>Second level</a:t>
             </a:r>
           </a:p>
           <a:p>
-            <a:pPr lvl="2" algn="r" rtl="1"/>
+            <a:pPr lvl="2"/>
             <a:r>
               <a:rPr lang="en-US"/>
               <a:t>Third level</a:t>
             </a:r>
           </a:p>
           <a:p>
-            <a:pPr lvl="3" algn="r" rtl="1"/>
+            <a:pPr lvl="3"/>
             <a:r>
               <a:rPr lang="en-US"/>
               <a:t>Fourth level</a:t>
             </a:r>
           </a:p>
           <a:p>
-            <a:pPr lvl="4" algn="r" rtl="1"/>
+            <a:pPr lvl="4"/>
             <a:r>
               <a:rPr lang="en-US"/>
               <a:t>Fifth level</a:t>
@@ -462,14 +447,12 @@
         </p:nvSpPr>
         <p:spPr/>
         <p:txBody>
-          <a:bodyPr rtlCol="1"/>
-          <a:lstStyle>
-            <a:lvl1pPr algn="r" rtl="1"/>
-          </a:lstStyle>
+          <a:bodyPr/>
+          <a:lstStyle/>
           <a:p>
             <a:fld id="{27B9CFF2-2F1B-4CFB-987C-04273330BC99}" type="datetimeFigureOut">
               <a:rPr lang="en-US" smtClean="0"/>
-              <a:t>10/20/2021</a:t>
+              <a:t>5/11/2021</a:t>
             </a:fld>
             <a:endParaRPr lang="en-US"/>
           </a:p>
@@ -493,10 +476,8 @@
         </p:nvSpPr>
         <p:spPr/>
         <p:txBody>
-          <a:bodyPr rtlCol="1"/>
-          <a:lstStyle>
-            <a:lvl1pPr algn="r" rtl="1"/>
-          </a:lstStyle>
+          <a:bodyPr/>
+          <a:lstStyle/>
           <a:p>
             <a:endParaRPr lang="en-US"/>
           </a:p>
@@ -520,10 +501,8 @@
         </p:nvSpPr>
         <p:spPr/>
         <p:txBody>
-          <a:bodyPr rtlCol="1"/>
-          <a:lstStyle>
-            <a:lvl1pPr algn="r" rtl="1"/>
-          </a:lstStyle>
+          <a:bodyPr/>
+          <a:lstStyle/>
           <a:p>
             <a:fld id="{A0C3C6A1-07F8-4575-A0DF-9CFD50882D10}" type="slidenum">
               <a:rPr lang="en-US" smtClean="0"/>
@@ -586,10 +565,8 @@
           </a:xfrm>
         </p:spPr>
         <p:txBody>
-          <a:bodyPr vert="eaVert" rtlCol="1"/>
-          <a:lstStyle>
-            <a:lvl1pPr algn="r" rtl="1"/>
-          </a:lstStyle>
+          <a:bodyPr vert="eaVert"/>
+          <a:lstStyle/>
           <a:p>
             <a:r>
               <a:rPr lang="en-US"/>
@@ -621,40 +598,38 @@
           </a:xfrm>
         </p:spPr>
         <p:txBody>
-          <a:bodyPr vert="eaVert" rtlCol="1"/>
-          <a:lstStyle>
-            <a:lvl1pPr algn="r" rtl="1"/>
-          </a:lstStyle>
-          <a:p>
-            <a:pPr lvl="0" algn="r" rtl="1"/>
+          <a:bodyPr vert="eaVert"/>
+          <a:lstStyle/>
+          <a:p>
+            <a:pPr lvl="0"/>
             <a:r>
               <a:rPr lang="en-US"/>
               <a:t>Click to edit Master text styles</a:t>
             </a:r>
           </a:p>
           <a:p>
-            <a:pPr lvl="1" algn="r" rtl="1"/>
+            <a:pPr lvl="1"/>
             <a:r>
               <a:rPr lang="en-US"/>
               <a:t>Second level</a:t>
             </a:r>
           </a:p>
           <a:p>
-            <a:pPr lvl="2" algn="r" rtl="1"/>
+            <a:pPr lvl="2"/>
             <a:r>
               <a:rPr lang="en-US"/>
               <a:t>Third level</a:t>
             </a:r>
           </a:p>
           <a:p>
-            <a:pPr lvl="3" algn="r" rtl="1"/>
+            <a:pPr lvl="3"/>
             <a:r>
               <a:rPr lang="en-US"/>
               <a:t>Fourth level</a:t>
             </a:r>
           </a:p>
           <a:p>
-            <a:pPr lvl="4" algn="r" rtl="1"/>
+            <a:pPr lvl="4"/>
             <a:r>
               <a:rPr lang="en-US"/>
               <a:t>Fifth level</a:t>
@@ -680,14 +655,12 @@
         </p:nvSpPr>
         <p:spPr/>
         <p:txBody>
-          <a:bodyPr rtlCol="1"/>
-          <a:lstStyle>
-            <a:lvl1pPr algn="r" rtl="1"/>
-          </a:lstStyle>
+          <a:bodyPr/>
+          <a:lstStyle/>
           <a:p>
             <a:fld id="{27B9CFF2-2F1B-4CFB-987C-04273330BC99}" type="datetimeFigureOut">
               <a:rPr lang="en-US" smtClean="0"/>
-              <a:t>10/20/2021</a:t>
+              <a:t>5/11/2021</a:t>
             </a:fld>
             <a:endParaRPr lang="en-US"/>
           </a:p>
@@ -711,10 +684,8 @@
         </p:nvSpPr>
         <p:spPr/>
         <p:txBody>
-          <a:bodyPr rtlCol="1"/>
-          <a:lstStyle>
-            <a:lvl1pPr algn="r" rtl="1"/>
-          </a:lstStyle>
+          <a:bodyPr/>
+          <a:lstStyle/>
           <a:p>
             <a:endParaRPr lang="en-US"/>
           </a:p>
@@ -738,10 +709,8 @@
         </p:nvSpPr>
         <p:spPr/>
         <p:txBody>
-          <a:bodyPr rtlCol="1"/>
-          <a:lstStyle>
-            <a:lvl1pPr algn="r" rtl="1"/>
-          </a:lstStyle>
+          <a:bodyPr/>
+          <a:lstStyle/>
           <a:p>
             <a:fld id="{A0C3C6A1-07F8-4575-A0DF-9CFD50882D10}" type="slidenum">
               <a:rPr lang="en-US" smtClean="0"/>
@@ -799,10 +768,8 @@
         </p:nvSpPr>
         <p:spPr/>
         <p:txBody>
-          <a:bodyPr rtlCol="1"/>
-          <a:lstStyle>
-            <a:lvl1pPr algn="r" rtl="1"/>
-          </a:lstStyle>
+          <a:bodyPr/>
+          <a:lstStyle/>
           <a:p>
             <a:r>
               <a:rPr lang="en-US"/>
@@ -829,40 +796,38 @@
         </p:nvSpPr>
         <p:spPr/>
         <p:txBody>
-          <a:bodyPr rtlCol="1"/>
-          <a:lstStyle>
-            <a:lvl1pPr algn="r" rtl="1"/>
-          </a:lstStyle>
-          <a:p>
-            <a:pPr lvl="0" algn="r" rtl="1"/>
+          <a:bodyPr/>
+          <a:lstStyle/>
+          <a:p>
+            <a:pPr lvl="0"/>
             <a:r>
               <a:rPr lang="en-US"/>
               <a:t>Click to edit Master text styles</a:t>
             </a:r>
           </a:p>
           <a:p>
-            <a:pPr lvl="1" algn="r" rtl="1"/>
+            <a:pPr lvl="1"/>
             <a:r>
               <a:rPr lang="en-US"/>
               <a:t>Second level</a:t>
             </a:r>
           </a:p>
           <a:p>
-            <a:pPr lvl="2" algn="r" rtl="1"/>
+            <a:pPr lvl="2"/>
             <a:r>
               <a:rPr lang="en-US"/>
               <a:t>Third level</a:t>
             </a:r>
           </a:p>
           <a:p>
-            <a:pPr lvl="3" algn="r" rtl="1"/>
+            <a:pPr lvl="3"/>
             <a:r>
               <a:rPr lang="en-US"/>
               <a:t>Fourth level</a:t>
             </a:r>
           </a:p>
           <a:p>
-            <a:pPr lvl="4" algn="r" rtl="1"/>
+            <a:pPr lvl="4"/>
             <a:r>
               <a:rPr lang="en-US"/>
               <a:t>Fifth level</a:t>
@@ -888,14 +853,12 @@
         </p:nvSpPr>
         <p:spPr/>
         <p:txBody>
-          <a:bodyPr rtlCol="1"/>
-          <a:lstStyle>
-            <a:lvl1pPr algn="r" rtl="1"/>
-          </a:lstStyle>
+          <a:bodyPr/>
+          <a:lstStyle/>
           <a:p>
             <a:fld id="{27B9CFF2-2F1B-4CFB-987C-04273330BC99}" type="datetimeFigureOut">
               <a:rPr lang="en-US" smtClean="0"/>
-              <a:t>10/20/2021</a:t>
+              <a:t>5/11/2021</a:t>
             </a:fld>
             <a:endParaRPr lang="en-US"/>
           </a:p>
@@ -919,10 +882,8 @@
         </p:nvSpPr>
         <p:spPr/>
         <p:txBody>
-          <a:bodyPr rtlCol="1"/>
-          <a:lstStyle>
-            <a:lvl1pPr algn="r" rtl="1"/>
-          </a:lstStyle>
+          <a:bodyPr/>
+          <a:lstStyle/>
           <a:p>
             <a:endParaRPr lang="en-US"/>
           </a:p>
@@ -946,10 +907,8 @@
         </p:nvSpPr>
         <p:spPr/>
         <p:txBody>
-          <a:bodyPr rtlCol="1"/>
-          <a:lstStyle>
-            <a:lvl1pPr algn="r" rtl="1"/>
-          </a:lstStyle>
+          <a:bodyPr/>
+          <a:lstStyle/>
           <a:p>
             <a:fld id="{A0C3C6A1-07F8-4575-A0DF-9CFD50882D10}" type="slidenum">
               <a:rPr lang="en-US" smtClean="0"/>
@@ -1012,9 +971,9 @@
           </a:xfrm>
         </p:spPr>
         <p:txBody>
-          <a:bodyPr rtlCol="1" anchor="b"/>
+          <a:bodyPr anchor="b"/>
           <a:lstStyle>
-            <a:lvl1pPr algn="r" rtl="1">
+            <a:lvl1pPr>
               <a:defRPr sz="6000"/>
             </a:lvl1pPr>
           </a:lstStyle>
@@ -1049,9 +1008,9 @@
           </a:xfrm>
         </p:spPr>
         <p:txBody>
-          <a:bodyPr rtlCol="1"/>
+          <a:bodyPr/>
           <a:lstStyle>
-            <a:lvl1pPr marL="0" indent="0" algn="r" rtl="1">
+            <a:lvl1pPr marL="0" indent="0">
               <a:buNone/>
               <a:defRPr sz="2400">
                 <a:solidFill>
@@ -1061,7 +1020,7 @@
                 </a:solidFill>
               </a:defRPr>
             </a:lvl1pPr>
-            <a:lvl2pPr marL="457200" indent="0" algn="r" rtl="1">
+            <a:lvl2pPr marL="457200" indent="0">
               <a:buNone/>
               <a:defRPr sz="2000">
                 <a:solidFill>
@@ -1071,7 +1030,7 @@
                 </a:solidFill>
               </a:defRPr>
             </a:lvl2pPr>
-            <a:lvl3pPr marL="914400" indent="0" algn="r" rtl="1">
+            <a:lvl3pPr marL="914400" indent="0">
               <a:buNone/>
               <a:defRPr sz="1800">
                 <a:solidFill>
@@ -1081,7 +1040,7 @@
                 </a:solidFill>
               </a:defRPr>
             </a:lvl3pPr>
-            <a:lvl4pPr marL="1371600" indent="0" algn="r" rtl="1">
+            <a:lvl4pPr marL="1371600" indent="0">
               <a:buNone/>
               <a:defRPr sz="1600">
                 <a:solidFill>
@@ -1091,7 +1050,7 @@
                 </a:solidFill>
               </a:defRPr>
             </a:lvl4pPr>
-            <a:lvl5pPr marL="1828800" indent="0" algn="r" rtl="1">
+            <a:lvl5pPr marL="1828800" indent="0">
               <a:buNone/>
               <a:defRPr sz="1600">
                 <a:solidFill>
@@ -1101,7 +1060,7 @@
                 </a:solidFill>
               </a:defRPr>
             </a:lvl5pPr>
-            <a:lvl6pPr marL="2286000" indent="0" algn="r" rtl="1">
+            <a:lvl6pPr marL="2286000" indent="0">
               <a:buNone/>
               <a:defRPr sz="1600">
                 <a:solidFill>
@@ -1111,7 +1070,7 @@
                 </a:solidFill>
               </a:defRPr>
             </a:lvl6pPr>
-            <a:lvl7pPr marL="2743200" indent="0" algn="r" rtl="1">
+            <a:lvl7pPr marL="2743200" indent="0">
               <a:buNone/>
               <a:defRPr sz="1600">
                 <a:solidFill>
@@ -1121,7 +1080,7 @@
                 </a:solidFill>
               </a:defRPr>
             </a:lvl7pPr>
-            <a:lvl8pPr marL="3200400" indent="0" algn="r" rtl="1">
+            <a:lvl8pPr marL="3200400" indent="0">
               <a:buNone/>
               <a:defRPr sz="1600">
                 <a:solidFill>
@@ -1131,7 +1090,7 @@
                 </a:solidFill>
               </a:defRPr>
             </a:lvl8pPr>
-            <a:lvl9pPr marL="3657600" indent="0" algn="r" rtl="1">
+            <a:lvl9pPr marL="3657600" indent="0">
               <a:buNone/>
               <a:defRPr sz="1600">
                 <a:solidFill>
@@ -1143,7 +1102,7 @@
             </a:lvl9pPr>
           </a:lstStyle>
           <a:p>
-            <a:pPr lvl="0" algn="r" rtl="1"/>
+            <a:pPr lvl="0"/>
             <a:r>
               <a:rPr lang="en-US"/>
               <a:t>Click to edit Master text styles</a:t>
@@ -1169,14 +1128,12 @@
         </p:nvSpPr>
         <p:spPr/>
         <p:txBody>
-          <a:bodyPr rtlCol="1"/>
-          <a:lstStyle>
-            <a:lvl1pPr algn="r" rtl="1"/>
-          </a:lstStyle>
+          <a:bodyPr/>
+          <a:lstStyle/>
           <a:p>
             <a:fld id="{27B9CFF2-2F1B-4CFB-987C-04273330BC99}" type="datetimeFigureOut">
               <a:rPr lang="en-US" smtClean="0"/>
-              <a:t>10/20/2021</a:t>
+              <a:t>5/11/2021</a:t>
             </a:fld>
             <a:endParaRPr lang="en-US"/>
           </a:p>
@@ -1200,10 +1157,8 @@
         </p:nvSpPr>
         <p:spPr/>
         <p:txBody>
-          <a:bodyPr rtlCol="1"/>
-          <a:lstStyle>
-            <a:lvl1pPr algn="r" rtl="1"/>
-          </a:lstStyle>
+          <a:bodyPr/>
+          <a:lstStyle/>
           <a:p>
             <a:endParaRPr lang="en-US"/>
           </a:p>
@@ -1227,10 +1182,8 @@
         </p:nvSpPr>
         <p:spPr/>
         <p:txBody>
-          <a:bodyPr rtlCol="1"/>
-          <a:lstStyle>
-            <a:lvl1pPr algn="r" rtl="1"/>
-          </a:lstStyle>
+          <a:bodyPr/>
+          <a:lstStyle/>
           <a:p>
             <a:fld id="{A0C3C6A1-07F8-4575-A0DF-9CFD50882D10}" type="slidenum">
               <a:rPr lang="en-US" smtClean="0"/>
@@ -1288,10 +1241,8 @@
         </p:nvSpPr>
         <p:spPr/>
         <p:txBody>
-          <a:bodyPr rtlCol="1"/>
-          <a:lstStyle>
-            <a:lvl1pPr algn="r" rtl="1"/>
-          </a:lstStyle>
+          <a:bodyPr/>
+          <a:lstStyle/>
           <a:p>
             <a:r>
               <a:rPr lang="en-US"/>
@@ -1323,40 +1274,38 @@
           </a:xfrm>
         </p:spPr>
         <p:txBody>
-          <a:bodyPr rtlCol="1"/>
-          <a:lstStyle>
-            <a:lvl1pPr algn="r" rtl="1"/>
-          </a:lstStyle>
-          <a:p>
-            <a:pPr lvl="0" algn="r" rtl="1"/>
+          <a:bodyPr/>
+          <a:lstStyle/>
+          <a:p>
+            <a:pPr lvl="0"/>
             <a:r>
               <a:rPr lang="en-US"/>
               <a:t>Click to edit Master text styles</a:t>
             </a:r>
           </a:p>
           <a:p>
-            <a:pPr lvl="1" algn="r" rtl="1"/>
+            <a:pPr lvl="1"/>
             <a:r>
               <a:rPr lang="en-US"/>
               <a:t>Second level</a:t>
             </a:r>
           </a:p>
           <a:p>
-            <a:pPr lvl="2" algn="r" rtl="1"/>
+            <a:pPr lvl="2"/>
             <a:r>
               <a:rPr lang="en-US"/>
               <a:t>Third level</a:t>
             </a:r>
           </a:p>
           <a:p>
-            <a:pPr lvl="3" algn="r" rtl="1"/>
+            <a:pPr lvl="3"/>
             <a:r>
               <a:rPr lang="en-US"/>
               <a:t>Fourth level</a:t>
             </a:r>
           </a:p>
           <a:p>
-            <a:pPr lvl="4" algn="r" rtl="1"/>
+            <a:pPr lvl="4"/>
             <a:r>
               <a:rPr lang="en-US"/>
               <a:t>Fifth level</a:t>
@@ -1387,40 +1336,38 @@
           </a:xfrm>
         </p:spPr>
         <p:txBody>
-          <a:bodyPr rtlCol="1"/>
-          <a:lstStyle>
-            <a:lvl1pPr algn="r" rtl="1"/>
-          </a:lstStyle>
-          <a:p>
-            <a:pPr lvl="0" algn="r" rtl="1"/>
+          <a:bodyPr/>
+          <a:lstStyle/>
+          <a:p>
+            <a:pPr lvl="0"/>
             <a:r>
               <a:rPr lang="en-US"/>
               <a:t>Click to edit Master text styles</a:t>
             </a:r>
           </a:p>
           <a:p>
-            <a:pPr lvl="1" algn="r" rtl="1"/>
+            <a:pPr lvl="1"/>
             <a:r>
               <a:rPr lang="en-US"/>
               <a:t>Second level</a:t>
             </a:r>
           </a:p>
           <a:p>
-            <a:pPr lvl="2" algn="r" rtl="1"/>
+            <a:pPr lvl="2"/>
             <a:r>
               <a:rPr lang="en-US"/>
               <a:t>Third level</a:t>
             </a:r>
           </a:p>
           <a:p>
-            <a:pPr lvl="3" algn="r" rtl="1"/>
+            <a:pPr lvl="3"/>
             <a:r>
               <a:rPr lang="en-US"/>
               <a:t>Fourth level</a:t>
             </a:r>
           </a:p>
           <a:p>
-            <a:pPr lvl="4" algn="r" rtl="1"/>
+            <a:pPr lvl="4"/>
             <a:r>
               <a:rPr lang="en-US"/>
               <a:t>Fifth level</a:t>
@@ -1446,14 +1393,12 @@
         </p:nvSpPr>
         <p:spPr/>
         <p:txBody>
-          <a:bodyPr rtlCol="1"/>
-          <a:lstStyle>
-            <a:lvl1pPr algn="r" rtl="1"/>
-          </a:lstStyle>
+          <a:bodyPr/>
+          <a:lstStyle/>
           <a:p>
             <a:fld id="{27B9CFF2-2F1B-4CFB-987C-04273330BC99}" type="datetimeFigureOut">
               <a:rPr lang="en-US" smtClean="0"/>
-              <a:t>10/20/2021</a:t>
+              <a:t>5/11/2021</a:t>
             </a:fld>
             <a:endParaRPr lang="en-US"/>
           </a:p>
@@ -1477,10 +1422,8 @@
         </p:nvSpPr>
         <p:spPr/>
         <p:txBody>
-          <a:bodyPr rtlCol="1"/>
-          <a:lstStyle>
-            <a:lvl1pPr algn="r" rtl="1"/>
-          </a:lstStyle>
+          <a:bodyPr/>
+          <a:lstStyle/>
           <a:p>
             <a:endParaRPr lang="en-US"/>
           </a:p>
@@ -1504,10 +1447,8 @@
         </p:nvSpPr>
         <p:spPr/>
         <p:txBody>
-          <a:bodyPr rtlCol="1"/>
-          <a:lstStyle>
-            <a:lvl1pPr algn="r" rtl="1"/>
-          </a:lstStyle>
+          <a:bodyPr/>
+          <a:lstStyle/>
           <a:p>
             <a:fld id="{A0C3C6A1-07F8-4575-A0DF-9CFD50882D10}" type="slidenum">
               <a:rPr lang="en-US" smtClean="0"/>
@@ -1570,10 +1511,8 @@
           </a:xfrm>
         </p:spPr>
         <p:txBody>
-          <a:bodyPr rtlCol="1"/>
-          <a:lstStyle>
-            <a:lvl1pPr algn="r" rtl="1"/>
-          </a:lstStyle>
+          <a:bodyPr/>
+          <a:lstStyle/>
           <a:p>
             <a:r>
               <a:rPr lang="en-US"/>
@@ -1605,47 +1544,47 @@
           </a:xfrm>
         </p:spPr>
         <p:txBody>
-          <a:bodyPr rtlCol="1" anchor="b"/>
+          <a:bodyPr anchor="b"/>
           <a:lstStyle>
-            <a:lvl1pPr marL="0" indent="0" algn="r" rtl="1">
+            <a:lvl1pPr marL="0" indent="0">
               <a:buNone/>
               <a:defRPr sz="2400" b="1"/>
             </a:lvl1pPr>
-            <a:lvl2pPr marL="457200" indent="0" algn="r" rtl="1">
+            <a:lvl2pPr marL="457200" indent="0">
               <a:buNone/>
               <a:defRPr sz="2000" b="1"/>
             </a:lvl2pPr>
-            <a:lvl3pPr marL="914400" indent="0" algn="r" rtl="1">
+            <a:lvl3pPr marL="914400" indent="0">
               <a:buNone/>
               <a:defRPr sz="1800" b="1"/>
             </a:lvl3pPr>
-            <a:lvl4pPr marL="1371600" indent="0" algn="r" rtl="1">
+            <a:lvl4pPr marL="1371600" indent="0">
               <a:buNone/>
               <a:defRPr sz="1600" b="1"/>
             </a:lvl4pPr>
-            <a:lvl5pPr marL="1828800" indent="0" algn="r" rtl="1">
+            <a:lvl5pPr marL="1828800" indent="0">
               <a:buNone/>
               <a:defRPr sz="1600" b="1"/>
             </a:lvl5pPr>
-            <a:lvl6pPr marL="2286000" indent="0" algn="r" rtl="1">
+            <a:lvl6pPr marL="2286000" indent="0">
               <a:buNone/>
               <a:defRPr sz="1600" b="1"/>
             </a:lvl6pPr>
-            <a:lvl7pPr marL="2743200" indent="0" algn="r" rtl="1">
+            <a:lvl7pPr marL="2743200" indent="0">
               <a:buNone/>
               <a:defRPr sz="1600" b="1"/>
             </a:lvl7pPr>
-            <a:lvl8pPr marL="3200400" indent="0" algn="r" rtl="1">
+            <a:lvl8pPr marL="3200400" indent="0">
               <a:buNone/>
               <a:defRPr sz="1600" b="1"/>
             </a:lvl8pPr>
-            <a:lvl9pPr marL="3657600" indent="0" algn="r" rtl="1">
+            <a:lvl9pPr marL="3657600" indent="0">
               <a:buNone/>
               <a:defRPr sz="1600" b="1"/>
             </a:lvl9pPr>
           </a:lstStyle>
           <a:p>
-            <a:pPr lvl="0" algn="r" rtl="1"/>
+            <a:pPr lvl="0"/>
             <a:r>
               <a:rPr lang="en-US"/>
               <a:t>Click to edit Master text styles</a:t>
@@ -1676,40 +1615,38 @@
           </a:xfrm>
         </p:spPr>
         <p:txBody>
-          <a:bodyPr rtlCol="1"/>
-          <a:lstStyle>
-            <a:lvl1pPr algn="r" rtl="1"/>
-          </a:lstStyle>
-          <a:p>
-            <a:pPr lvl="0" algn="r" rtl="1"/>
+          <a:bodyPr/>
+          <a:lstStyle/>
+          <a:p>
+            <a:pPr lvl="0"/>
             <a:r>
               <a:rPr lang="en-US"/>
               <a:t>Click to edit Master text styles</a:t>
             </a:r>
           </a:p>
           <a:p>
-            <a:pPr lvl="1" algn="r" rtl="1"/>
+            <a:pPr lvl="1"/>
             <a:r>
               <a:rPr lang="en-US"/>
               <a:t>Second level</a:t>
             </a:r>
           </a:p>
           <a:p>
-            <a:pPr lvl="2" algn="r" rtl="1"/>
+            <a:pPr lvl="2"/>
             <a:r>
               <a:rPr lang="en-US"/>
               <a:t>Third level</a:t>
             </a:r>
           </a:p>
           <a:p>
-            <a:pPr lvl="3" algn="r" rtl="1"/>
+            <a:pPr lvl="3"/>
             <a:r>
               <a:rPr lang="en-US"/>
               <a:t>Fourth level</a:t>
             </a:r>
           </a:p>
           <a:p>
-            <a:pPr lvl="4" algn="r" rtl="1"/>
+            <a:pPr lvl="4"/>
             <a:r>
               <a:rPr lang="en-US"/>
               <a:t>Fifth level</a:t>
@@ -1740,47 +1677,47 @@
           </a:xfrm>
         </p:spPr>
         <p:txBody>
-          <a:bodyPr rtlCol="1" anchor="b"/>
+          <a:bodyPr anchor="b"/>
           <a:lstStyle>
-            <a:lvl1pPr marL="0" indent="0" algn="r" rtl="1">
+            <a:lvl1pPr marL="0" indent="0">
               <a:buNone/>
               <a:defRPr sz="2400" b="1"/>
             </a:lvl1pPr>
-            <a:lvl2pPr marL="457200" indent="0" algn="r" rtl="1">
+            <a:lvl2pPr marL="457200" indent="0">
               <a:buNone/>
               <a:defRPr sz="2000" b="1"/>
             </a:lvl2pPr>
-            <a:lvl3pPr marL="914400" indent="0" algn="r" rtl="1">
+            <a:lvl3pPr marL="914400" indent="0">
               <a:buNone/>
               <a:defRPr sz="1800" b="1"/>
             </a:lvl3pPr>
-            <a:lvl4pPr marL="1371600" indent="0" algn="r" rtl="1">
+            <a:lvl4pPr marL="1371600" indent="0">
               <a:buNone/>
               <a:defRPr sz="1600" b="1"/>
             </a:lvl4pPr>
-            <a:lvl5pPr marL="1828800" indent="0" algn="r" rtl="1">
+            <a:lvl5pPr marL="1828800" indent="0">
               <a:buNone/>
               <a:defRPr sz="1600" b="1"/>
             </a:lvl5pPr>
-            <a:lvl6pPr marL="2286000" indent="0" algn="r" rtl="1">
+            <a:lvl6pPr marL="2286000" indent="0">
               <a:buNone/>
               <a:defRPr sz="1600" b="1"/>
             </a:lvl6pPr>
-            <a:lvl7pPr marL="2743200" indent="0" algn="r" rtl="1">
+            <a:lvl7pPr marL="2743200" indent="0">
               <a:buNone/>
               <a:defRPr sz="1600" b="1"/>
             </a:lvl7pPr>
-            <a:lvl8pPr marL="3200400" indent="0" algn="r" rtl="1">
+            <a:lvl8pPr marL="3200400" indent="0">
               <a:buNone/>
               <a:defRPr sz="1600" b="1"/>
             </a:lvl8pPr>
-            <a:lvl9pPr marL="3657600" indent="0" algn="r" rtl="1">
+            <a:lvl9pPr marL="3657600" indent="0">
               <a:buNone/>
               <a:defRPr sz="1600" b="1"/>
             </a:lvl9pPr>
           </a:lstStyle>
           <a:p>
-            <a:pPr lvl="0" algn="r" rtl="1"/>
+            <a:pPr lvl="0"/>
             <a:r>
               <a:rPr lang="en-US"/>
               <a:t>Click to edit Master text styles</a:t>
@@ -1811,40 +1748,38 @@
           </a:xfrm>
         </p:spPr>
         <p:txBody>
-          <a:bodyPr rtlCol="1"/>
-          <a:lstStyle>
-            <a:lvl1pPr algn="r" rtl="1"/>
-          </a:lstStyle>
-          <a:p>
-            <a:pPr lvl="0" algn="r" rtl="1"/>
+          <a:bodyPr/>
+          <a:lstStyle/>
+          <a:p>
+            <a:pPr lvl="0"/>
             <a:r>
               <a:rPr lang="en-US"/>
               <a:t>Click to edit Master text styles</a:t>
             </a:r>
           </a:p>
           <a:p>
-            <a:pPr lvl="1" algn="r" rtl="1"/>
+            <a:pPr lvl="1"/>
             <a:r>
               <a:rPr lang="en-US"/>
               <a:t>Second level</a:t>
             </a:r>
           </a:p>
           <a:p>
-            <a:pPr lvl="2" algn="r" rtl="1"/>
+            <a:pPr lvl="2"/>
             <a:r>
               <a:rPr lang="en-US"/>
               <a:t>Third level</a:t>
             </a:r>
           </a:p>
           <a:p>
-            <a:pPr lvl="3" algn="r" rtl="1"/>
+            <a:pPr lvl="3"/>
             <a:r>
               <a:rPr lang="en-US"/>
               <a:t>Fourth level</a:t>
             </a:r>
           </a:p>
           <a:p>
-            <a:pPr lvl="4" algn="r" rtl="1"/>
+            <a:pPr lvl="4"/>
             <a:r>
               <a:rPr lang="en-US"/>
               <a:t>Fifth level</a:t>
@@ -1870,14 +1805,12 @@
         </p:nvSpPr>
         <p:spPr/>
         <p:txBody>
-          <a:bodyPr rtlCol="1"/>
-          <a:lstStyle>
-            <a:lvl1pPr algn="r" rtl="1"/>
-          </a:lstStyle>
+          <a:bodyPr/>
+          <a:lstStyle/>
           <a:p>
             <a:fld id="{27B9CFF2-2F1B-4CFB-987C-04273330BC99}" type="datetimeFigureOut">
               <a:rPr lang="en-US" smtClean="0"/>
-              <a:t>10/20/2021</a:t>
+              <a:t>5/11/2021</a:t>
             </a:fld>
             <a:endParaRPr lang="en-US"/>
           </a:p>
@@ -1901,10 +1834,8 @@
         </p:nvSpPr>
         <p:spPr/>
         <p:txBody>
-          <a:bodyPr rtlCol="1"/>
-          <a:lstStyle>
-            <a:lvl1pPr algn="r" rtl="1"/>
-          </a:lstStyle>
+          <a:bodyPr/>
+          <a:lstStyle/>
           <a:p>
             <a:endParaRPr lang="en-US"/>
           </a:p>
@@ -1928,10 +1859,8 @@
         </p:nvSpPr>
         <p:spPr/>
         <p:txBody>
-          <a:bodyPr rtlCol="1"/>
-          <a:lstStyle>
-            <a:lvl1pPr algn="r" rtl="1"/>
-          </a:lstStyle>
+          <a:bodyPr/>
+          <a:lstStyle/>
           <a:p>
             <a:fld id="{A0C3C6A1-07F8-4575-A0DF-9CFD50882D10}" type="slidenum">
               <a:rPr lang="en-US" smtClean="0"/>
@@ -1989,10 +1918,8 @@
         </p:nvSpPr>
         <p:spPr/>
         <p:txBody>
-          <a:bodyPr rtlCol="1"/>
-          <a:lstStyle>
-            <a:lvl1pPr algn="r" rtl="1"/>
-          </a:lstStyle>
+          <a:bodyPr/>
+          <a:lstStyle/>
           <a:p>
             <a:r>
               <a:rPr lang="en-US"/>
@@ -2019,14 +1946,12 @@
         </p:nvSpPr>
         <p:spPr/>
         <p:txBody>
-          <a:bodyPr rtlCol="1"/>
-          <a:lstStyle>
-            <a:lvl1pPr algn="r" rtl="1"/>
-          </a:lstStyle>
+          <a:bodyPr/>
+          <a:lstStyle/>
           <a:p>
             <a:fld id="{27B9CFF2-2F1B-4CFB-987C-04273330BC99}" type="datetimeFigureOut">
               <a:rPr lang="en-US" smtClean="0"/>
-              <a:t>10/20/2021</a:t>
+              <a:t>5/11/2021</a:t>
             </a:fld>
             <a:endParaRPr lang="en-US"/>
           </a:p>
@@ -2050,10 +1975,8 @@
         </p:nvSpPr>
         <p:spPr/>
         <p:txBody>
-          <a:bodyPr rtlCol="1"/>
-          <a:lstStyle>
-            <a:lvl1pPr algn="r" rtl="1"/>
-          </a:lstStyle>
+          <a:bodyPr/>
+          <a:lstStyle/>
           <a:p>
             <a:endParaRPr lang="en-US"/>
           </a:p>
@@ -2077,10 +2000,8 @@
         </p:nvSpPr>
         <p:spPr/>
         <p:txBody>
-          <a:bodyPr rtlCol="1"/>
-          <a:lstStyle>
-            <a:lvl1pPr algn="r" rtl="1"/>
-          </a:lstStyle>
+          <a:bodyPr/>
+          <a:lstStyle/>
           <a:p>
             <a:fld id="{A0C3C6A1-07F8-4575-A0DF-9CFD50882D10}" type="slidenum">
               <a:rPr lang="en-US" smtClean="0"/>
@@ -2138,14 +2059,12 @@
         </p:nvSpPr>
         <p:spPr/>
         <p:txBody>
-          <a:bodyPr rtlCol="1"/>
-          <a:lstStyle>
-            <a:lvl1pPr algn="r" rtl="1"/>
-          </a:lstStyle>
+          <a:bodyPr/>
+          <a:lstStyle/>
           <a:p>
             <a:fld id="{27B9CFF2-2F1B-4CFB-987C-04273330BC99}" type="datetimeFigureOut">
               <a:rPr lang="en-US" smtClean="0"/>
-              <a:t>10/20/2021</a:t>
+              <a:t>5/11/2021</a:t>
             </a:fld>
             <a:endParaRPr lang="en-US"/>
           </a:p>
@@ -2169,10 +2088,8 @@
         </p:nvSpPr>
         <p:spPr/>
         <p:txBody>
-          <a:bodyPr rtlCol="1"/>
-          <a:lstStyle>
-            <a:lvl1pPr algn="r" rtl="1"/>
-          </a:lstStyle>
+          <a:bodyPr/>
+          <a:lstStyle/>
           <a:p>
             <a:endParaRPr lang="en-US"/>
           </a:p>
@@ -2196,10 +2113,8 @@
         </p:nvSpPr>
         <p:spPr/>
         <p:txBody>
-          <a:bodyPr rtlCol="1"/>
-          <a:lstStyle>
-            <a:lvl1pPr algn="r" rtl="1"/>
-          </a:lstStyle>
+          <a:bodyPr/>
+          <a:lstStyle/>
           <a:p>
             <a:fld id="{A0C3C6A1-07F8-4575-A0DF-9CFD50882D10}" type="slidenum">
               <a:rPr lang="en-US" smtClean="0"/>
@@ -2262,9 +2177,9 @@
           </a:xfrm>
         </p:spPr>
         <p:txBody>
-          <a:bodyPr rtlCol="1" anchor="b"/>
+          <a:bodyPr anchor="b"/>
           <a:lstStyle>
-            <a:lvl1pPr algn="r" rtl="1">
+            <a:lvl1pPr>
               <a:defRPr sz="3200"/>
             </a:lvl1pPr>
           </a:lstStyle>
@@ -2299,66 +2214,66 @@
           </a:xfrm>
         </p:spPr>
         <p:txBody>
-          <a:bodyPr rtlCol="1"/>
+          <a:bodyPr/>
           <a:lstStyle>
-            <a:lvl1pPr algn="r" rtl="1">
+            <a:lvl1pPr>
               <a:defRPr sz="3200"/>
             </a:lvl1pPr>
-            <a:lvl2pPr algn="r" rtl="1">
+            <a:lvl2pPr>
               <a:defRPr sz="2800"/>
             </a:lvl2pPr>
-            <a:lvl3pPr algn="r" rtl="1">
+            <a:lvl3pPr>
               <a:defRPr sz="2400"/>
             </a:lvl3pPr>
-            <a:lvl4pPr algn="r" rtl="1">
+            <a:lvl4pPr>
               <a:defRPr sz="2000"/>
             </a:lvl4pPr>
-            <a:lvl5pPr algn="r" rtl="1">
+            <a:lvl5pPr>
               <a:defRPr sz="2000"/>
             </a:lvl5pPr>
-            <a:lvl6pPr algn="r" rtl="1">
+            <a:lvl6pPr>
               <a:defRPr sz="2000"/>
             </a:lvl6pPr>
-            <a:lvl7pPr algn="r" rtl="1">
+            <a:lvl7pPr>
               <a:defRPr sz="2000"/>
             </a:lvl7pPr>
-            <a:lvl8pPr algn="r" rtl="1">
+            <a:lvl8pPr>
               <a:defRPr sz="2000"/>
             </a:lvl8pPr>
-            <a:lvl9pPr algn="r" rtl="1">
+            <a:lvl9pPr>
               <a:defRPr sz="2000"/>
             </a:lvl9pPr>
           </a:lstStyle>
           <a:p>
-            <a:pPr lvl="0" algn="r" rtl="1"/>
+            <a:pPr lvl="0"/>
             <a:r>
               <a:rPr lang="en-US"/>
               <a:t>Click to edit Master text styles</a:t>
             </a:r>
           </a:p>
           <a:p>
-            <a:pPr lvl="1" algn="r" rtl="1"/>
+            <a:pPr lvl="1"/>
             <a:r>
               <a:rPr lang="en-US"/>
               <a:t>Second level</a:t>
             </a:r>
           </a:p>
           <a:p>
-            <a:pPr lvl="2" algn="r" rtl="1"/>
+            <a:pPr lvl="2"/>
             <a:r>
               <a:rPr lang="en-US"/>
               <a:t>Third level</a:t>
             </a:r>
           </a:p>
           <a:p>
-            <a:pPr lvl="3" algn="r" rtl="1"/>
+            <a:pPr lvl="3"/>
             <a:r>
               <a:rPr lang="en-US"/>
               <a:t>Fourth level</a:t>
             </a:r>
           </a:p>
           <a:p>
-            <a:pPr lvl="4" algn="r" rtl="1"/>
+            <a:pPr lvl="4"/>
             <a:r>
               <a:rPr lang="en-US"/>
               <a:t>Fifth level</a:t>
@@ -2389,47 +2304,47 @@
           </a:xfrm>
         </p:spPr>
         <p:txBody>
-          <a:bodyPr rtlCol="1"/>
+          <a:bodyPr/>
           <a:lstStyle>
-            <a:lvl1pPr marL="0" indent="0" algn="r" rtl="1">
+            <a:lvl1pPr marL="0" indent="0">
               <a:buNone/>
               <a:defRPr sz="1600"/>
             </a:lvl1pPr>
-            <a:lvl2pPr marL="457200" indent="0" algn="r" rtl="1">
+            <a:lvl2pPr marL="457200" indent="0">
               <a:buNone/>
               <a:defRPr sz="1400"/>
             </a:lvl2pPr>
-            <a:lvl3pPr marL="914400" indent="0" algn="r" rtl="1">
+            <a:lvl3pPr marL="914400" indent="0">
               <a:buNone/>
               <a:defRPr sz="1200"/>
             </a:lvl3pPr>
-            <a:lvl4pPr marL="1371600" indent="0" algn="r" rtl="1">
+            <a:lvl4pPr marL="1371600" indent="0">
               <a:buNone/>
               <a:defRPr sz="1000"/>
             </a:lvl4pPr>
-            <a:lvl5pPr marL="1828800" indent="0" algn="r" rtl="1">
+            <a:lvl5pPr marL="1828800" indent="0">
               <a:buNone/>
               <a:defRPr sz="1000"/>
             </a:lvl5pPr>
-            <a:lvl6pPr marL="2286000" indent="0" algn="r" rtl="1">
+            <a:lvl6pPr marL="2286000" indent="0">
               <a:buNone/>
               <a:defRPr sz="1000"/>
             </a:lvl6pPr>
-            <a:lvl7pPr marL="2743200" indent="0" algn="r" rtl="1">
+            <a:lvl7pPr marL="2743200" indent="0">
               <a:buNone/>
               <a:defRPr sz="1000"/>
             </a:lvl7pPr>
-            <a:lvl8pPr marL="3200400" indent="0" algn="r" rtl="1">
+            <a:lvl8pPr marL="3200400" indent="0">
               <a:buNone/>
               <a:defRPr sz="1000"/>
             </a:lvl8pPr>
-            <a:lvl9pPr marL="3657600" indent="0" algn="r" rtl="1">
+            <a:lvl9pPr marL="3657600" indent="0">
               <a:buNone/>
               <a:defRPr sz="1000"/>
             </a:lvl9pPr>
           </a:lstStyle>
           <a:p>
-            <a:pPr lvl="0" algn="r" rtl="1"/>
+            <a:pPr lvl="0"/>
             <a:r>
               <a:rPr lang="en-US"/>
               <a:t>Click to edit Master text styles</a:t>
@@ -2455,14 +2370,12 @@
         </p:nvSpPr>
         <p:spPr/>
         <p:txBody>
-          <a:bodyPr rtlCol="1"/>
-          <a:lstStyle>
-            <a:lvl1pPr algn="r" rtl="1"/>
-          </a:lstStyle>
+          <a:bodyPr/>
+          <a:lstStyle/>
           <a:p>
             <a:fld id="{27B9CFF2-2F1B-4CFB-987C-04273330BC99}" type="datetimeFigureOut">
               <a:rPr lang="en-US" smtClean="0"/>
-              <a:t>10/20/2021</a:t>
+              <a:t>5/11/2021</a:t>
             </a:fld>
             <a:endParaRPr lang="en-US"/>
           </a:p>
@@ -2486,10 +2399,8 @@
         </p:nvSpPr>
         <p:spPr/>
         <p:txBody>
-          <a:bodyPr rtlCol="1"/>
-          <a:lstStyle>
-            <a:lvl1pPr algn="r" rtl="1"/>
-          </a:lstStyle>
+          <a:bodyPr/>
+          <a:lstStyle/>
           <a:p>
             <a:endParaRPr lang="en-US"/>
           </a:p>
@@ -2513,10 +2424,8 @@
         </p:nvSpPr>
         <p:spPr/>
         <p:txBody>
-          <a:bodyPr rtlCol="1"/>
-          <a:lstStyle>
-            <a:lvl1pPr algn="r" rtl="1"/>
-          </a:lstStyle>
+          <a:bodyPr/>
+          <a:lstStyle/>
           <a:p>
             <a:fld id="{A0C3C6A1-07F8-4575-A0DF-9CFD50882D10}" type="slidenum">
               <a:rPr lang="en-US" smtClean="0"/>
@@ -2579,9 +2488,9 @@
           </a:xfrm>
         </p:spPr>
         <p:txBody>
-          <a:bodyPr rtlCol="1" anchor="b"/>
+          <a:bodyPr anchor="b"/>
           <a:lstStyle>
-            <a:lvl1pPr algn="r" rtl="1">
+            <a:lvl1pPr>
               <a:defRPr sz="3200"/>
             </a:lvl1pPr>
           </a:lstStyle>
@@ -2616,41 +2525,41 @@
           </a:xfrm>
         </p:spPr>
         <p:txBody>
-          <a:bodyPr rtlCol="1"/>
+          <a:bodyPr/>
           <a:lstStyle>
-            <a:lvl1pPr marL="0" indent="0" algn="r" rtl="1">
+            <a:lvl1pPr marL="0" indent="0">
               <a:buNone/>
               <a:defRPr sz="3200"/>
             </a:lvl1pPr>
-            <a:lvl2pPr marL="457200" indent="0" algn="r" rtl="1">
+            <a:lvl2pPr marL="457200" indent="0">
               <a:buNone/>
               <a:defRPr sz="2800"/>
             </a:lvl2pPr>
-            <a:lvl3pPr marL="914400" indent="0" algn="r" rtl="1">
+            <a:lvl3pPr marL="914400" indent="0">
               <a:buNone/>
               <a:defRPr sz="2400"/>
             </a:lvl3pPr>
-            <a:lvl4pPr marL="1371600" indent="0" algn="r" rtl="1">
+            <a:lvl4pPr marL="1371600" indent="0">
               <a:buNone/>
               <a:defRPr sz="2000"/>
             </a:lvl4pPr>
-            <a:lvl5pPr marL="1828800" indent="0" algn="r" rtl="1">
+            <a:lvl5pPr marL="1828800" indent="0">
               <a:buNone/>
               <a:defRPr sz="2000"/>
             </a:lvl5pPr>
-            <a:lvl6pPr marL="2286000" indent="0" algn="r" rtl="1">
+            <a:lvl6pPr marL="2286000" indent="0">
               <a:buNone/>
               <a:defRPr sz="2000"/>
             </a:lvl6pPr>
-            <a:lvl7pPr marL="2743200" indent="0" algn="r" rtl="1">
+            <a:lvl7pPr marL="2743200" indent="0">
               <a:buNone/>
               <a:defRPr sz="2000"/>
             </a:lvl7pPr>
-            <a:lvl8pPr marL="3200400" indent="0" algn="r" rtl="1">
+            <a:lvl8pPr marL="3200400" indent="0">
               <a:buNone/>
               <a:defRPr sz="2000"/>
             </a:lvl8pPr>
-            <a:lvl9pPr marL="3657600" indent="0" algn="r" rtl="1">
+            <a:lvl9pPr marL="3657600" indent="0">
               <a:buNone/>
               <a:defRPr sz="2000"/>
             </a:lvl9pPr>
@@ -2683,47 +2592,47 @@
           </a:xfrm>
         </p:spPr>
         <p:txBody>
-          <a:bodyPr rtlCol="1"/>
+          <a:bodyPr/>
           <a:lstStyle>
-            <a:lvl1pPr marL="0" indent="0" algn="r" rtl="1">
+            <a:lvl1pPr marL="0" indent="0">
               <a:buNone/>
               <a:defRPr sz="1600"/>
             </a:lvl1pPr>
-            <a:lvl2pPr marL="457200" indent="0" algn="r" rtl="1">
+            <a:lvl2pPr marL="457200" indent="0">
               <a:buNone/>
               <a:defRPr sz="1400"/>
             </a:lvl2pPr>
-            <a:lvl3pPr marL="914400" indent="0" algn="r" rtl="1">
+            <a:lvl3pPr marL="914400" indent="0">
               <a:buNone/>
               <a:defRPr sz="1200"/>
             </a:lvl3pPr>
-            <a:lvl4pPr marL="1371600" indent="0" algn="r" rtl="1">
+            <a:lvl4pPr marL="1371600" indent="0">
               <a:buNone/>
               <a:defRPr sz="1000"/>
             </a:lvl4pPr>
-            <a:lvl5pPr marL="1828800" indent="0" algn="r" rtl="1">
+            <a:lvl5pPr marL="1828800" indent="0">
               <a:buNone/>
               <a:defRPr sz="1000"/>
             </a:lvl5pPr>
-            <a:lvl6pPr marL="2286000" indent="0" algn="r" rtl="1">
+            <a:lvl6pPr marL="2286000" indent="0">
               <a:buNone/>
               <a:defRPr sz="1000"/>
             </a:lvl6pPr>
-            <a:lvl7pPr marL="2743200" indent="0" algn="r" rtl="1">
+            <a:lvl7pPr marL="2743200" indent="0">
               <a:buNone/>
               <a:defRPr sz="1000"/>
             </a:lvl7pPr>
-            <a:lvl8pPr marL="3200400" indent="0" algn="r" rtl="1">
+            <a:lvl8pPr marL="3200400" indent="0">
               <a:buNone/>
               <a:defRPr sz="1000"/>
             </a:lvl8pPr>
-            <a:lvl9pPr marL="3657600" indent="0" algn="r" rtl="1">
+            <a:lvl9pPr marL="3657600" indent="0">
               <a:buNone/>
               <a:defRPr sz="1000"/>
             </a:lvl9pPr>
           </a:lstStyle>
           <a:p>
-            <a:pPr lvl="0" algn="r" rtl="1"/>
+            <a:pPr lvl="0"/>
             <a:r>
               <a:rPr lang="en-US"/>
               <a:t>Click to edit Master text styles</a:t>
@@ -2749,14 +2658,12 @@
         </p:nvSpPr>
         <p:spPr/>
         <p:txBody>
-          <a:bodyPr rtlCol="1"/>
-          <a:lstStyle>
-            <a:lvl1pPr algn="r" rtl="1"/>
-          </a:lstStyle>
+          <a:bodyPr/>
+          <a:lstStyle/>
           <a:p>
             <a:fld id="{27B9CFF2-2F1B-4CFB-987C-04273330BC99}" type="datetimeFigureOut">
               <a:rPr lang="en-US" smtClean="0"/>
-              <a:t>10/20/2021</a:t>
+              <a:t>5/11/2021</a:t>
             </a:fld>
             <a:endParaRPr lang="en-US"/>
           </a:p>
@@ -2780,10 +2687,8 @@
         </p:nvSpPr>
         <p:spPr/>
         <p:txBody>
-          <a:bodyPr rtlCol="1"/>
-          <a:lstStyle>
-            <a:lvl1pPr algn="r" rtl="1"/>
-          </a:lstStyle>
+          <a:bodyPr/>
+          <a:lstStyle/>
           <a:p>
             <a:endParaRPr lang="en-US"/>
           </a:p>
@@ -2807,10 +2712,8 @@
         </p:nvSpPr>
         <p:spPr/>
         <p:txBody>
-          <a:bodyPr rtlCol="1"/>
-          <a:lstStyle>
-            <a:lvl1pPr algn="r" rtl="1"/>
-          </a:lstStyle>
+          <a:bodyPr/>
+          <a:lstStyle/>
           <a:p>
             <a:fld id="{A0C3C6A1-07F8-4575-A0DF-9CFD50882D10}" type="slidenum">
               <a:rPr lang="en-US" smtClean="0"/>
@@ -2881,12 +2784,10 @@
           </a:prstGeom>
         </p:spPr>
         <p:txBody>
-          <a:bodyPr vert="horz" lIns="91440" tIns="45720" rIns="91440" bIns="45720" rtlCol="1" anchor="ctr">
+          <a:bodyPr vert="horz" lIns="91440" tIns="45720" rIns="91440" bIns="45720" rtlCol="0" anchor="ctr">
             <a:normAutofit/>
           </a:bodyPr>
-          <a:lstStyle>
-            <a:lvl1pPr algn="r" rtl="1"/>
-          </a:lstStyle>
+          <a:lstStyle/>
           <a:p>
             <a:r>
               <a:rPr lang="en-US"/>
@@ -2921,42 +2822,40 @@
           </a:prstGeom>
         </p:spPr>
         <p:txBody>
-          <a:bodyPr vert="horz" lIns="91440" tIns="45720" rIns="91440" bIns="45720" rtlCol="1">
+          <a:bodyPr vert="horz" lIns="91440" tIns="45720" rIns="91440" bIns="45720" rtlCol="0">
             <a:normAutofit/>
           </a:bodyPr>
-          <a:lstStyle>
-            <a:lvl1pPr algn="r" rtl="1"/>
-          </a:lstStyle>
-          <a:p>
-            <a:pPr lvl="0" algn="r" rtl="1"/>
+          <a:lstStyle/>
+          <a:p>
+            <a:pPr lvl="0"/>
             <a:r>
               <a:rPr lang="en-US"/>
               <a:t>Click to edit Master text styles</a:t>
             </a:r>
           </a:p>
           <a:p>
-            <a:pPr lvl="1" algn="r" rtl="1"/>
+            <a:pPr lvl="1"/>
             <a:r>
               <a:rPr lang="en-US"/>
               <a:t>Second level</a:t>
             </a:r>
           </a:p>
           <a:p>
-            <a:pPr lvl="2" algn="r" rtl="1"/>
+            <a:pPr lvl="2"/>
             <a:r>
               <a:rPr lang="en-US"/>
               <a:t>Third level</a:t>
             </a:r>
           </a:p>
           <a:p>
-            <a:pPr lvl="3" algn="r" rtl="1"/>
+            <a:pPr lvl="3"/>
             <a:r>
               <a:rPr lang="en-US"/>
               <a:t>Fourth level</a:t>
             </a:r>
           </a:p>
           <a:p>
-            <a:pPr lvl="4" algn="r" rtl="1"/>
+            <a:pPr lvl="4"/>
             <a:r>
               <a:rPr lang="en-US"/>
               <a:t>Fifth level</a:t>
@@ -2990,9 +2889,9 @@
           </a:prstGeom>
         </p:spPr>
         <p:txBody>
-          <a:bodyPr vert="horz" lIns="91440" tIns="45720" rIns="91440" bIns="45720" rtlCol="1" anchor="ctr"/>
+          <a:bodyPr vert="horz" lIns="91440" tIns="45720" rIns="91440" bIns="45720" rtlCol="0" anchor="ctr"/>
           <a:lstStyle>
-            <a:lvl1pPr algn="r" rtl="1">
+            <a:lvl1pPr algn="l">
               <a:defRPr sz="1200">
                 <a:solidFill>
                   <a:schemeClr val="tx1">
@@ -3005,7 +2904,7 @@
           <a:p>
             <a:fld id="{27B9CFF2-2F1B-4CFB-987C-04273330BC99}" type="datetimeFigureOut">
               <a:rPr lang="en-US" smtClean="0"/>
-              <a:t>10/20/2021</a:t>
+              <a:t>5/11/2021</a:t>
             </a:fld>
             <a:endParaRPr lang="en-US"/>
           </a:p>
@@ -3037,9 +2936,9 @@
           </a:prstGeom>
         </p:spPr>
         <p:txBody>
-          <a:bodyPr vert="horz" lIns="91440" tIns="45720" rIns="91440" bIns="45720" rtlCol="1" anchor="ctr"/>
+          <a:bodyPr vert="horz" lIns="91440" tIns="45720" rIns="91440" bIns="45720" rtlCol="0" anchor="ctr"/>
           <a:lstStyle>
-            <a:lvl1pPr algn="ctr" rtl="1">
+            <a:lvl1pPr algn="ctr">
               <a:defRPr sz="1200">
                 <a:solidFill>
                   <a:schemeClr val="tx1">
@@ -3080,9 +2979,9 @@
           </a:prstGeom>
         </p:spPr>
         <p:txBody>
-          <a:bodyPr vert="horz" lIns="91440" tIns="45720" rIns="91440" bIns="45720" rtlCol="1" anchor="ctr"/>
+          <a:bodyPr vert="horz" lIns="91440" tIns="45720" rIns="91440" bIns="45720" rtlCol="0" anchor="ctr"/>
           <a:lstStyle>
-            <a:lvl1pPr algn="l" rtl="1">
+            <a:lvl1pPr algn="r">
               <a:defRPr sz="1200">
                 <a:solidFill>
                   <a:schemeClr val="tx1">
@@ -3124,7 +3023,7 @@
   </p:sldLayoutIdLst>
   <p:txStyles>
     <p:titleStyle>
-      <a:lvl1pPr algn="r" defTabSz="914400" rtl="1" eaLnBrk="1" latinLnBrk="0" hangingPunct="1">
+      <a:lvl1pPr algn="l" defTabSz="914400" rtl="0" eaLnBrk="1" latinLnBrk="0" hangingPunct="1">
         <a:lnSpc>
           <a:spcPct val="90000"/>
         </a:lnSpc>
@@ -3143,7 +3042,7 @@
       </a:lvl1pPr>
     </p:titleStyle>
     <p:bodyStyle>
-      <a:lvl1pPr marL="228600" indent="-228600" algn="r" defTabSz="914400" rtl="1" eaLnBrk="1" latinLnBrk="0" hangingPunct="1">
+      <a:lvl1pPr marL="228600" indent="-228600" algn="l" defTabSz="914400" rtl="0" eaLnBrk="1" latinLnBrk="0" hangingPunct="1">
         <a:lnSpc>
           <a:spcPct val="90000"/>
         </a:lnSpc>
@@ -3161,7 +3060,7 @@
           <a:cs typeface="+mn-cs"/>
         </a:defRPr>
       </a:lvl1pPr>
-      <a:lvl2pPr marL="685800" indent="-228600" algn="r" defTabSz="914400" rtl="1" eaLnBrk="1" latinLnBrk="0" hangingPunct="1">
+      <a:lvl2pPr marL="685800" indent="-228600" algn="l" defTabSz="914400" rtl="0" eaLnBrk="1" latinLnBrk="0" hangingPunct="1">
         <a:lnSpc>
           <a:spcPct val="90000"/>
         </a:lnSpc>
@@ -3179,7 +3078,7 @@
           <a:cs typeface="+mn-cs"/>
         </a:defRPr>
       </a:lvl2pPr>
-      <a:lvl3pPr marL="1143000" indent="-228600" algn="r" defTabSz="914400" rtl="1" eaLnBrk="1" latinLnBrk="0" hangingPunct="1">
+      <a:lvl3pPr marL="1143000" indent="-228600" algn="l" defTabSz="914400" rtl="0" eaLnBrk="1" latinLnBrk="0" hangingPunct="1">
         <a:lnSpc>
           <a:spcPct val="90000"/>
         </a:lnSpc>
@@ -3197,7 +3096,7 @@
           <a:cs typeface="+mn-cs"/>
         </a:defRPr>
       </a:lvl3pPr>
-      <a:lvl4pPr marL="1600200" indent="-228600" algn="r" defTabSz="914400" rtl="1" eaLnBrk="1" latinLnBrk="0" hangingPunct="1">
+      <a:lvl4pPr marL="1600200" indent="-228600" algn="l" defTabSz="914400" rtl="0" eaLnBrk="1" latinLnBrk="0" hangingPunct="1">
         <a:lnSpc>
           <a:spcPct val="90000"/>
         </a:lnSpc>
@@ -3215,7 +3114,7 @@
           <a:cs typeface="+mn-cs"/>
         </a:defRPr>
       </a:lvl4pPr>
-      <a:lvl5pPr marL="2057400" indent="-228600" algn="r" defTabSz="914400" rtl="1" eaLnBrk="1" latinLnBrk="0" hangingPunct="1">
+      <a:lvl5pPr marL="2057400" indent="-228600" algn="l" defTabSz="914400" rtl="0" eaLnBrk="1" latinLnBrk="0" hangingPunct="1">
         <a:lnSpc>
           <a:spcPct val="90000"/>
         </a:lnSpc>
@@ -3233,7 +3132,7 @@
           <a:cs typeface="+mn-cs"/>
         </a:defRPr>
       </a:lvl5pPr>
-      <a:lvl6pPr marL="2514600" indent="-228600" algn="r" defTabSz="914400" rtl="1" eaLnBrk="1" latinLnBrk="0" hangingPunct="1">
+      <a:lvl6pPr marL="2514600" indent="-228600" algn="l" defTabSz="914400" rtl="0" eaLnBrk="1" latinLnBrk="0" hangingPunct="1">
         <a:lnSpc>
           <a:spcPct val="90000"/>
         </a:lnSpc>
@@ -3251,7 +3150,7 @@
           <a:cs typeface="+mn-cs"/>
         </a:defRPr>
       </a:lvl6pPr>
-      <a:lvl7pPr marL="2971800" indent="-228600" algn="r" defTabSz="914400" rtl="1" eaLnBrk="1" latinLnBrk="0" hangingPunct="1">
+      <a:lvl7pPr marL="2971800" indent="-228600" algn="l" defTabSz="914400" rtl="0" eaLnBrk="1" latinLnBrk="0" hangingPunct="1">
         <a:lnSpc>
           <a:spcPct val="90000"/>
         </a:lnSpc>
@@ -3269,7 +3168,7 @@
           <a:cs typeface="+mn-cs"/>
         </a:defRPr>
       </a:lvl7pPr>
-      <a:lvl8pPr marL="3429000" indent="-228600" algn="r" defTabSz="914400" rtl="1" eaLnBrk="1" latinLnBrk="0" hangingPunct="1">
+      <a:lvl8pPr marL="3429000" indent="-228600" algn="l" defTabSz="914400" rtl="0" eaLnBrk="1" latinLnBrk="0" hangingPunct="1">
         <a:lnSpc>
           <a:spcPct val="90000"/>
         </a:lnSpc>
@@ -3287,7 +3186,7 @@
           <a:cs typeface="+mn-cs"/>
         </a:defRPr>
       </a:lvl8pPr>
-      <a:lvl9pPr marL="3886200" indent="-228600" algn="r" defTabSz="914400" rtl="1" eaLnBrk="1" latinLnBrk="0" hangingPunct="1">
+      <a:lvl9pPr marL="3886200" indent="-228600" algn="l" defTabSz="914400" rtl="0" eaLnBrk="1" latinLnBrk="0" hangingPunct="1">
         <a:lnSpc>
           <a:spcPct val="90000"/>
         </a:lnSpc>
@@ -3310,7 +3209,7 @@
       <a:defPPr>
         <a:defRPr lang="en-US"/>
       </a:defPPr>
-      <a:lvl1pPr marL="0" algn="r" defTabSz="914400" rtl="1" eaLnBrk="1" latinLnBrk="0" hangingPunct="1">
+      <a:lvl1pPr marL="0" algn="l" defTabSz="914400" rtl="0" eaLnBrk="1" latinLnBrk="0" hangingPunct="1">
         <a:defRPr sz="1800" kern="1200">
           <a:solidFill>
             <a:schemeClr val="tx1"/>
@@ -3320,7 +3219,7 @@
           <a:cs typeface="+mn-cs"/>
         </a:defRPr>
       </a:lvl1pPr>
-      <a:lvl2pPr marL="457200" algn="r" defTabSz="914400" rtl="1" eaLnBrk="1" latinLnBrk="0" hangingPunct="1">
+      <a:lvl2pPr marL="457200" algn="l" defTabSz="914400" rtl="0" eaLnBrk="1" latinLnBrk="0" hangingPunct="1">
         <a:defRPr sz="1800" kern="1200">
           <a:solidFill>
             <a:schemeClr val="tx1"/>
@@ -3330,7 +3229,7 @@
           <a:cs typeface="+mn-cs"/>
         </a:defRPr>
       </a:lvl2pPr>
-      <a:lvl3pPr marL="914400" algn="r" defTabSz="914400" rtl="1" eaLnBrk="1" latinLnBrk="0" hangingPunct="1">
+      <a:lvl3pPr marL="914400" algn="l" defTabSz="914400" rtl="0" eaLnBrk="1" latinLnBrk="0" hangingPunct="1">
         <a:defRPr sz="1800" kern="1200">
           <a:solidFill>
             <a:schemeClr val="tx1"/>
@@ -3340,7 +3239,7 @@
           <a:cs typeface="+mn-cs"/>
         </a:defRPr>
       </a:lvl3pPr>
-      <a:lvl4pPr marL="1371600" algn="r" defTabSz="914400" rtl="1" eaLnBrk="1" latinLnBrk="0" hangingPunct="1">
+      <a:lvl4pPr marL="1371600" algn="l" defTabSz="914400" rtl="0" eaLnBrk="1" latinLnBrk="0" hangingPunct="1">
         <a:defRPr sz="1800" kern="1200">
           <a:solidFill>
             <a:schemeClr val="tx1"/>
@@ -3350,7 +3249,7 @@
           <a:cs typeface="+mn-cs"/>
         </a:defRPr>
       </a:lvl4pPr>
-      <a:lvl5pPr marL="1828800" algn="r" defTabSz="914400" rtl="1" eaLnBrk="1" latinLnBrk="0" hangingPunct="1">
+      <a:lvl5pPr marL="1828800" algn="l" defTabSz="914400" rtl="0" eaLnBrk="1" latinLnBrk="0" hangingPunct="1">
         <a:defRPr sz="1800" kern="1200">
           <a:solidFill>
             <a:schemeClr val="tx1"/>
@@ -3360,7 +3259,7 @@
           <a:cs typeface="+mn-cs"/>
         </a:defRPr>
       </a:lvl5pPr>
-      <a:lvl6pPr marL="2286000" algn="r" defTabSz="914400" rtl="1" eaLnBrk="1" latinLnBrk="0" hangingPunct="1">
+      <a:lvl6pPr marL="2286000" algn="l" defTabSz="914400" rtl="0" eaLnBrk="1" latinLnBrk="0" hangingPunct="1">
         <a:defRPr sz="1800" kern="1200">
           <a:solidFill>
             <a:schemeClr val="tx1"/>
@@ -3370,7 +3269,7 @@
           <a:cs typeface="+mn-cs"/>
         </a:defRPr>
       </a:lvl6pPr>
-      <a:lvl7pPr marL="2743200" algn="r" defTabSz="914400" rtl="1" eaLnBrk="1" latinLnBrk="0" hangingPunct="1">
+      <a:lvl7pPr marL="2743200" algn="l" defTabSz="914400" rtl="0" eaLnBrk="1" latinLnBrk="0" hangingPunct="1">
         <a:defRPr sz="1800" kern="1200">
           <a:solidFill>
             <a:schemeClr val="tx1"/>
@@ -3380,7 +3279,7 @@
           <a:cs typeface="+mn-cs"/>
         </a:defRPr>
       </a:lvl7pPr>
-      <a:lvl8pPr marL="3200400" algn="r" defTabSz="914400" rtl="1" eaLnBrk="1" latinLnBrk="0" hangingPunct="1">
+      <a:lvl8pPr marL="3200400" algn="l" defTabSz="914400" rtl="0" eaLnBrk="1" latinLnBrk="0" hangingPunct="1">
         <a:defRPr sz="1800" kern="1200">
           <a:solidFill>
             <a:schemeClr val="tx1"/>
@@ -3390,7 +3289,7 @@
           <a:cs typeface="+mn-cs"/>
         </a:defRPr>
       </a:lvl8pPr>
-      <a:lvl9pPr marL="3657600" algn="r" defTabSz="914400" rtl="1" eaLnBrk="1" latinLnBrk="0" hangingPunct="1">
+      <a:lvl9pPr marL="3657600" algn="l" defTabSz="914400" rtl="0" eaLnBrk="1" latinLnBrk="0" hangingPunct="1">
         <a:defRPr sz="1800" kern="1200">
           <a:solidFill>
             <a:schemeClr val="tx1"/>
@@ -3435,8 +3334,8 @@
           <p:nvPr/>
         </p:nvSpPr>
         <p:spPr>
-          <a:xfrm flipH="1">
-            <a:off x="3216048" y="1460356"/>
+          <a:xfrm>
+            <a:off x="3209434" y="1460356"/>
             <a:ext cx="5057913" cy="3710609"/>
           </a:xfrm>
           <a:prstGeom prst="rect">
@@ -3465,10 +3364,10 @@
           </a:fontRef>
         </p:style>
         <p:txBody>
-          <a:bodyPr rtlCol="1" anchor="ctr"/>
-          <a:lstStyle/>
-          <a:p>
-            <a:pPr algn="ctr" rtl="1"/>
+          <a:bodyPr rtlCol="0" anchor="ctr"/>
+          <a:lstStyle/>
+          <a:p>
+            <a:pPr algn="ctr"/>
             <a:endParaRPr lang="en-US"/>
           </a:p>
         </p:txBody>
@@ -3486,8 +3385,8 @@
           <p:nvPr/>
         </p:nvSpPr>
         <p:spPr>
-          <a:xfrm flipH="1">
-            <a:off x="6726945" y="2557670"/>
+          <a:xfrm>
+            <a:off x="3209434" y="2557670"/>
             <a:ext cx="1547016" cy="581901"/>
           </a:xfrm>
           <a:prstGeom prst="rect">
@@ -3519,30 +3418,28 @@
           </a:fontRef>
         </p:style>
         <p:txBody>
-          <a:bodyPr rtlCol="1" anchor="ctr"/>
-          <a:lstStyle/>
-          <a:p>
-            <a:pPr algn="ctr" rtl="1"/>
-            <a:r>
-              <a:rPr lang="ar-sa" sz="1400" dirty="0">
+          <a:bodyPr rtlCol="0" anchor="ctr"/>
+          <a:lstStyle/>
+          <a:p>
+            <a:pPr algn="ctr"/>
+            <a:r>
+              <a:rPr lang="en-US" sz="1400" dirty="0">
                 <a:solidFill>
                   <a:schemeClr val="tx1"/>
                 </a:solidFill>
-                <a:rtl/>
               </a:rPr>
-              <a:t>ملف</a:t>
-            </a:r>
-          </a:p>
-          <a:p>
-            <a:pPr algn="ctr" rtl="1"/>
-            <a:r>
-              <a:rPr lang="ar-sa" sz="1400" dirty="0">
+              <a:t>Manifest</a:t>
+            </a:r>
+          </a:p>
+          <a:p>
+            <a:pPr algn="ctr"/>
+            <a:r>
+              <a:rPr lang="en-US" sz="1400" dirty="0">
                 <a:solidFill>
                   <a:schemeClr val="tx1"/>
                 </a:solidFill>
-                <a:rtl/>
               </a:rPr>
-              <a:t>البيان</a:t>
+              <a:t>File</a:t>
             </a:r>
           </a:p>
         </p:txBody>
@@ -3568,7 +3465,7 @@
           </a:stretch>
         </p:blipFill>
         <p:spPr>
-          <a:xfrm flipH="1">
+          <a:xfrm>
             <a:off x="3209434" y="1460356"/>
             <a:ext cx="5064527" cy="1097314"/>
           </a:xfrm>
@@ -3590,8 +3487,8 @@
           <p:nvPr/>
         </p:nvSpPr>
         <p:spPr>
-          <a:xfrm flipH="1">
-            <a:off x="4968190" y="2557669"/>
+          <a:xfrm>
+            <a:off x="4968189" y="2557669"/>
             <a:ext cx="1547016" cy="581901"/>
           </a:xfrm>
           <a:prstGeom prst="rect">
@@ -3623,30 +3520,28 @@
           </a:fontRef>
         </p:style>
         <p:txBody>
-          <a:bodyPr rtlCol="1" anchor="ctr"/>
-          <a:lstStyle/>
-          <a:p>
-            <a:pPr algn="ctr" rtl="1"/>
-            <a:r>
-              <a:rPr lang="ar-sa" sz="1400" dirty="0">
+          <a:bodyPr rtlCol="0" anchor="ctr"/>
+          <a:lstStyle/>
+          <a:p>
+            <a:pPr algn="ctr"/>
+            <a:r>
+              <a:rPr lang="en-US" sz="1400" dirty="0">
                 <a:solidFill>
                   <a:schemeClr val="tx1"/>
                 </a:solidFill>
-                <a:rtl/>
               </a:rPr>
-              <a:t>تنفيذ</a:t>
-            </a:r>
-          </a:p>
-          <a:p>
-            <a:pPr algn="ctr" rtl="1"/>
-            <a:r>
-              <a:rPr lang="ar-sa" sz="1400" dirty="0">
+              <a:t>Component</a:t>
+            </a:r>
+          </a:p>
+          <a:p>
+            <a:pPr algn="ctr"/>
+            <a:r>
+              <a:rPr lang="en-US" sz="1400" dirty="0">
                 <a:solidFill>
                   <a:schemeClr val="tx1"/>
                 </a:solidFill>
-                <a:rtl/>
               </a:rPr>
-              <a:t>المكوّن</a:t>
+              <a:t>Implementation</a:t>
             </a:r>
           </a:p>
         </p:txBody>
@@ -3664,8 +3559,8 @@
           <p:nvPr/>
         </p:nvSpPr>
         <p:spPr>
-          <a:xfrm flipH="1">
-            <a:off x="3209434" y="2557669"/>
+          <a:xfrm>
+            <a:off x="6726945" y="2557669"/>
             <a:ext cx="1547016" cy="581901"/>
           </a:xfrm>
           <a:prstGeom prst="rect">
@@ -3697,28 +3592,32 @@
           </a:fontRef>
         </p:style>
         <p:txBody>
-          <a:bodyPr rtlCol="1" anchor="ctr"/>
-          <a:lstStyle/>
-          <a:p>
-            <a:pPr algn="ctr" rtl="1"/>
-            <a:r>
-              <a:rPr lang="ar-sa" sz="1400" dirty="0">
+          <a:bodyPr rtlCol="0" anchor="ctr"/>
+          <a:lstStyle/>
+          <a:p>
+            <a:pPr algn="ctr"/>
+            <a:r>
+              <a:rPr lang="en-US" sz="1400" dirty="0">
                 <a:solidFill>
                   <a:schemeClr val="tx1"/>
                 </a:solidFill>
-                <a:rtl/>
               </a:rPr>
-              <a:t>الملفات </a:t>
-            </a:r>
-            <a:br/>
-            <a:r>
-              <a:rPr lang="ar-sa" sz="1400" dirty="0">
+              <a:t>Resource </a:t>
+            </a:r>
+            <a:br>
+              <a:rPr lang="en-US" sz="1400" dirty="0">
                 <a:solidFill>
                   <a:schemeClr val="tx1"/>
                 </a:solidFill>
-                <a:rtl/>
               </a:rPr>
-              <a:t>المصدر</a:t>
+            </a:br>
+            <a:r>
+              <a:rPr lang="en-US" sz="1400" dirty="0">
+                <a:solidFill>
+                  <a:schemeClr val="tx1"/>
+                </a:solidFill>
+              </a:rPr>
+              <a:t>Files</a:t>
             </a:r>
           </a:p>
         </p:txBody>
@@ -3736,8 +3635,8 @@
           <p:nvPr/>
         </p:nvSpPr>
         <p:spPr>
-          <a:xfrm flipH="1">
-            <a:off x="6726946" y="3136529"/>
+          <a:xfrm>
+            <a:off x="3209434" y="3136529"/>
             <a:ext cx="1547015" cy="2034436"/>
           </a:xfrm>
           <a:prstGeom prst="rect">
@@ -3772,82 +3671,94 @@
           </a:fontRef>
         </p:style>
         <p:txBody>
-          <a:bodyPr rtlCol="1" anchor="ctr"/>
-          <a:lstStyle/>
-          <a:p>
-            <a:pPr algn="r" rtl="1"/>
-            <a:r>
-              <a:rPr lang="ar-sa" sz="1400" dirty="0">
+          <a:bodyPr rtlCol="0" anchor="ctr"/>
+          <a:lstStyle/>
+          <a:p>
+            <a:r>
+              <a:rPr lang="en-US" sz="1400" dirty="0">
                 <a:solidFill>
                   <a:schemeClr val="tx1"/>
                 </a:solidFill>
-                <a:rtl/>
               </a:rPr>
-              <a:t>تعريف التحكم</a:t>
-            </a:r>
-          </a:p>
-          <a:p>
-            <a:pPr marL="285750" indent="-285750" algn="r" rtl="1">
+              <a:t>Control Definition</a:t>
+            </a:r>
+          </a:p>
+          <a:p>
+            <a:pPr marL="285750" indent="-285750">
               <a:buFont typeface="Arial" panose="020B0604020202020204" pitchFamily="34" charset="0"/>
               <a:buChar char="•"/>
             </a:pPr>
             <a:r>
-              <a:rPr lang="ar-sa" sz="1400" dirty="0">
+              <a:rPr lang="en-US" sz="1400" dirty="0">
                 <a:solidFill>
                   <a:schemeClr val="tx1"/>
                 </a:solidFill>
-                <a:rtl/>
               </a:rPr>
-              <a:t>الاسم</a:t>
-            </a:r>
-          </a:p>
-          <a:p>
-            <a:pPr marL="285750" indent="-285750" algn="r" rtl="1">
+              <a:t>Name</a:t>
+            </a:r>
+          </a:p>
+          <a:p>
+            <a:pPr marL="285750" indent="-285750">
               <a:buFont typeface="Arial" panose="020B0604020202020204" pitchFamily="34" charset="0"/>
               <a:buChar char="•"/>
             </a:pPr>
             <a:r>
-              <a:rPr lang="ar-sa" sz="1400" dirty="0">
+              <a:rPr lang="en-US" sz="1400" dirty="0">
                 <a:solidFill>
                   <a:schemeClr val="tx1"/>
                 </a:solidFill>
-                <a:rtl/>
               </a:rPr>
-              <a:t>الوصف</a:t>
-            </a:r>
-          </a:p>
-          <a:p>
-            <a:pPr marL="285750" indent="-285750" algn="r" rtl="1">
+              <a:t>Description</a:t>
+            </a:r>
+          </a:p>
+          <a:p>
+            <a:pPr marL="285750" indent="-285750">
               <a:buFont typeface="Arial" panose="020B0604020202020204" pitchFamily="34" charset="0"/>
               <a:buChar char="•"/>
             </a:pPr>
             <a:r>
-              <a:rPr lang="ar-sa" sz="1400" dirty="0">
+              <a:rPr lang="en-US" sz="1400" dirty="0">
                 <a:solidFill>
                   <a:schemeClr val="tx1"/>
                 </a:solidFill>
-                <a:rtl/>
               </a:rPr>
-              <a:t>الإصدار</a:t>
-            </a:r>
-          </a:p>
-          <a:p>
-            <a:pPr marL="285750" indent="-285750" algn="r" rtl="1">
+              <a:t>Version</a:t>
+            </a:r>
+          </a:p>
+          <a:p>
+            <a:pPr marL="285750" indent="-285750">
               <a:buFont typeface="Arial" panose="020B0604020202020204" pitchFamily="34" charset="0"/>
               <a:buChar char="•"/>
             </a:pPr>
             <a:r>
-              <a:rPr lang="ar-sa" sz="1400" dirty="0">
+              <a:rPr lang="en-US" sz="1400" dirty="0">
                 <a:solidFill>
                   <a:schemeClr val="tx1"/>
                 </a:solidFill>
-                <a:rtl/>
               </a:rPr>
-              <a:t>الملفات المصدر</a:t>
-            </a:r>
-            <a:br/>
-            <a:br/>
-            <a:br/>
+              <a:t>Resource files</a:t>
+            </a:r>
+            <a:br>
+              <a:rPr lang="en-US" sz="1400" dirty="0">
+                <a:solidFill>
+                  <a:schemeClr val="tx1"/>
+                </a:solidFill>
+              </a:rPr>
+            </a:br>
+            <a:br>
+              <a:rPr lang="en-US" sz="1400" dirty="0">
+                <a:solidFill>
+                  <a:schemeClr val="tx1"/>
+                </a:solidFill>
+              </a:rPr>
+            </a:br>
+            <a:br>
+              <a:rPr lang="en-US" sz="1400" dirty="0">
+                <a:solidFill>
+                  <a:schemeClr val="tx1"/>
+                </a:solidFill>
+              </a:rPr>
+            </a:br>
             <a:endParaRPr lang="en-US" sz="1400" dirty="0">
               <a:solidFill>
                 <a:schemeClr val="tx1"/>
@@ -3855,7 +3766,7 @@
             </a:endParaRPr>
           </a:p>
           <a:p>
-            <a:pPr marL="285750" indent="-285750" algn="r" rtl="1">
+            <a:pPr marL="285750" indent="-285750">
               <a:buFont typeface="Arial" panose="020B0604020202020204" pitchFamily="34" charset="0"/>
               <a:buChar char="•"/>
             </a:pPr>
@@ -3880,8 +3791,8 @@
           <p:nvPr/>
         </p:nvSpPr>
         <p:spPr>
-          <a:xfrm flipH="1">
-            <a:off x="4968192" y="3135008"/>
+          <a:xfrm>
+            <a:off x="4968188" y="3135008"/>
             <a:ext cx="1547015" cy="2049207"/>
           </a:xfrm>
           <a:prstGeom prst="rect">
@@ -3916,85 +3827,80 @@
           </a:fontRef>
         </p:style>
         <p:txBody>
-          <a:bodyPr rtlCol="1" anchor="ctr"/>
-          <a:lstStyle/>
-          <a:p>
-            <a:pPr algn="r" rtl="1"/>
-            <a:r>
-              <a:rPr lang="ar-sa" sz="1400" dirty="0">
+          <a:bodyPr rtlCol="0" anchor="ctr"/>
+          <a:lstStyle/>
+          <a:p>
+            <a:r>
+              <a:rPr lang="en-US" sz="1400" dirty="0">
                 <a:solidFill>
                   <a:schemeClr val="tx1"/>
                 </a:solidFill>
-                <a:rtl/>
               </a:rPr>
-              <a:t>التعليمة البرمجية</a:t>
-            </a:r>
-          </a:p>
-          <a:p>
-            <a:pPr marL="285750" indent="-285750" algn="r" rtl="1">
+              <a:t>Code</a:t>
+            </a:r>
+          </a:p>
+          <a:p>
+            <a:pPr marL="285750" indent="-285750">
               <a:buFont typeface="Arial" panose="020B0604020202020204" pitchFamily="34" charset="0"/>
               <a:buChar char="•"/>
             </a:pPr>
             <a:r>
-              <a:rPr lang="ar-sa" sz="1400" dirty="0">
+              <a:rPr lang="en-US" sz="1400" dirty="0">
                 <a:solidFill>
                   <a:schemeClr val="tx1"/>
                 </a:solidFill>
-                <a:rtl val="0"/>
               </a:rPr>
-              <a:t>TypeScript</a:t>
-            </a:r>
-            <a:r>
-              <a:rPr lang="ar-sa" sz="1400" dirty="0">
+              <a:t>TypeScript or JavaScript</a:t>
+            </a:r>
+          </a:p>
+          <a:p>
+            <a:pPr marL="285750" indent="-285750">
+              <a:buFont typeface="Arial" panose="020B0604020202020204" pitchFamily="34" charset="0"/>
+              <a:buChar char="•"/>
+            </a:pPr>
+            <a:r>
+              <a:rPr lang="en-US" sz="1400" dirty="0">
                 <a:solidFill>
                   <a:schemeClr val="tx1"/>
                 </a:solidFill>
-                <a:rtl/>
               </a:rPr>
-              <a:t> أو </a:t>
-            </a:r>
-            <a:r>
-              <a:rPr lang="ar-sa" sz="1400" dirty="0">
+              <a:t>User Interface</a:t>
+            </a:r>
+          </a:p>
+          <a:p>
+            <a:pPr marL="285750" indent="-285750">
+              <a:buFont typeface="Arial" panose="020B0604020202020204" pitchFamily="34" charset="0"/>
+              <a:buChar char="•"/>
+            </a:pPr>
+            <a:r>
+              <a:rPr lang="en-US" sz="1400" dirty="0">
                 <a:solidFill>
                   <a:schemeClr val="tx1"/>
                 </a:solidFill>
-                <a:rtl val="0"/>
               </a:rPr>
-              <a:t>JavaScript</a:t>
-            </a:r>
-          </a:p>
-          <a:p>
-            <a:pPr marL="285750" indent="-285750" algn="r" rtl="1">
-              <a:buFont typeface="Arial" panose="020B0604020202020204" pitchFamily="34" charset="0"/>
-              <a:buChar char="•"/>
-            </a:pPr>
-            <a:r>
-              <a:rPr lang="ar-sa" sz="1400" dirty="0">
+              <a:t>Functionality</a:t>
+            </a:r>
+            <a:br>
+              <a:rPr lang="en-US" sz="1400" dirty="0">
                 <a:solidFill>
                   <a:schemeClr val="tx1"/>
                 </a:solidFill>
-                <a:rtl/>
               </a:rPr>
-              <a:t>واجهة المستخدم</a:t>
-            </a:r>
-          </a:p>
-          <a:p>
-            <a:pPr marL="285750" indent="-285750" algn="r" rtl="1">
-              <a:buFont typeface="Arial" panose="020B0604020202020204" pitchFamily="34" charset="0"/>
-              <a:buChar char="•"/>
-            </a:pPr>
-            <a:r>
-              <a:rPr lang="ar-sa" sz="1400" dirty="0">
+            </a:br>
+            <a:br>
+              <a:rPr lang="en-US" sz="1400" dirty="0">
                 <a:solidFill>
                   <a:schemeClr val="tx1"/>
                 </a:solidFill>
-                <a:rtl/>
               </a:rPr>
-              <a:t>الوظيفة</a:t>
-            </a:r>
-            <a:br/>
-            <a:br/>
-            <a:br/>
+            </a:br>
+            <a:br>
+              <a:rPr lang="en-US" sz="1400" dirty="0">
+                <a:solidFill>
+                  <a:schemeClr val="tx1"/>
+                </a:solidFill>
+              </a:rPr>
+            </a:br>
             <a:endParaRPr lang="en-US" sz="1400" dirty="0">
               <a:solidFill>
                 <a:schemeClr val="tx1"/>
@@ -4002,7 +3908,7 @@
             </a:endParaRPr>
           </a:p>
           <a:p>
-            <a:pPr marL="285750" indent="-285750" algn="r" rtl="1">
+            <a:pPr marL="285750" indent="-285750">
               <a:buFont typeface="Arial" panose="020B0604020202020204" pitchFamily="34" charset="0"/>
               <a:buChar char="•"/>
             </a:pPr>
@@ -4027,8 +3933,8 @@
           <p:nvPr/>
         </p:nvSpPr>
         <p:spPr>
-          <a:xfrm flipH="1">
-            <a:off x="3209435" y="3135009"/>
+          <a:xfrm>
+            <a:off x="6726945" y="3135009"/>
             <a:ext cx="1547015" cy="2035956"/>
           </a:xfrm>
           <a:prstGeom prst="rect">
@@ -4063,68 +3969,87 @@
           </a:fontRef>
         </p:style>
         <p:txBody>
-          <a:bodyPr rtlCol="1" anchor="ctr"/>
-          <a:lstStyle/>
-          <a:p>
-            <a:pPr algn="r" rtl="1"/>
-            <a:r>
-              <a:rPr lang="ar-sa" sz="1400" dirty="0">
+          <a:bodyPr rtlCol="0" anchor="ctr"/>
+          <a:lstStyle/>
+          <a:p>
+            <a:r>
+              <a:rPr lang="en-US" sz="1400" dirty="0">
                 <a:solidFill>
                   <a:schemeClr val="tx1"/>
                 </a:solidFill>
-                <a:rtl/>
               </a:rPr>
-              <a:t>الموارد الثابتة</a:t>
-            </a:r>
-          </a:p>
-          <a:p>
-            <a:pPr marL="285750" indent="-285750" algn="r" rtl="1">
+              <a:t>Static Resources</a:t>
+            </a:r>
+          </a:p>
+          <a:p>
+            <a:pPr marL="285750" indent="-285750">
               <a:buFont typeface="Arial" panose="020B0604020202020204" pitchFamily="34" charset="0"/>
               <a:buChar char="•"/>
             </a:pPr>
             <a:r>
-              <a:rPr lang="ar-sa" sz="1400" dirty="0">
+              <a:rPr lang="en-US" sz="1400" dirty="0">
                 <a:solidFill>
                   <a:schemeClr val="tx1"/>
                 </a:solidFill>
-                <a:rtl/>
               </a:rPr>
-              <a:t>المكتبات</a:t>
-            </a:r>
-          </a:p>
-          <a:p>
-            <a:pPr marL="285750" indent="-285750" algn="r" rtl="1">
+              <a:t>Libraries</a:t>
+            </a:r>
+          </a:p>
+          <a:p>
+            <a:pPr marL="285750" indent="-285750">
               <a:buFont typeface="Arial" panose="020B0604020202020204" pitchFamily="34" charset="0"/>
               <a:buChar char="•"/>
             </a:pPr>
             <a:r>
-              <a:rPr lang="ar-sa" sz="1400" dirty="0">
+              <a:rPr lang="en-US" sz="1400" dirty="0">
                 <a:solidFill>
                   <a:schemeClr val="tx1"/>
                 </a:solidFill>
-                <a:rtl val="0"/>
               </a:rPr>
               <a:t>CSS</a:t>
             </a:r>
           </a:p>
           <a:p>
-            <a:pPr marL="285750" indent="-285750" algn="r" rtl="1">
+            <a:pPr marL="285750" indent="-285750">
               <a:buFont typeface="Arial" panose="020B0604020202020204" pitchFamily="34" charset="0"/>
               <a:buChar char="•"/>
             </a:pPr>
             <a:r>
-              <a:rPr lang="ar-sa" sz="1400" dirty="0">
+              <a:rPr lang="en-US" sz="1400" dirty="0">
                 <a:solidFill>
                   <a:schemeClr val="tx1"/>
                 </a:solidFill>
-                <a:rtl/>
               </a:rPr>
-              <a:t>الصور وغيرها</a:t>
-            </a:r>
-            <a:br/>
-            <a:br/>
-            <a:br/>
-            <a:br/>
+              <a:t>Images, etc.</a:t>
+            </a:r>
+            <a:br>
+              <a:rPr lang="en-US" sz="1400" dirty="0">
+                <a:solidFill>
+                  <a:schemeClr val="tx1"/>
+                </a:solidFill>
+              </a:rPr>
+            </a:br>
+            <a:br>
+              <a:rPr lang="en-US" sz="1400" dirty="0">
+                <a:solidFill>
+                  <a:schemeClr val="tx1"/>
+                </a:solidFill>
+              </a:rPr>
+            </a:br>
+            <a:br>
+              <a:rPr lang="en-US" sz="1400" dirty="0">
+                <a:solidFill>
+                  <a:schemeClr val="tx1"/>
+                </a:solidFill>
+              </a:rPr>
+            </a:br>
+            <a:br>
+              <a:rPr lang="en-US" sz="1400" dirty="0">
+                <a:solidFill>
+                  <a:schemeClr val="tx1"/>
+                </a:solidFill>
+              </a:rPr>
+            </a:br>
             <a:endParaRPr lang="en-US" sz="1400" dirty="0">
               <a:solidFill>
                 <a:schemeClr val="tx1"/>
@@ -4132,7 +4057,7 @@
             </a:endParaRPr>
           </a:p>
           <a:p>
-            <a:pPr marL="285750" indent="-285750" algn="r" rtl="1">
+            <a:pPr marL="285750" indent="-285750">
               <a:buFont typeface="Arial" panose="020B0604020202020204" pitchFamily="34" charset="0"/>
               <a:buChar char="•"/>
             </a:pPr>
@@ -4453,9 +4378,10 @@
 </file>
 
 <file path=customXml/item1.xml><?xml version="1.0" encoding="utf-8"?>
-<ct:contentTypeSchema xmlns:ct="http://schemas.microsoft.com/office/2006/metadata/contentType" xmlns:ma="http://schemas.microsoft.com/office/2006/metadata/properties/metaAttributes" ct:_="" ma:_="" ma:contentTypeName="Document" ma:contentTypeID="0x010100B5E9EC3278278C4EAFA14CAD3949CCF2" ma:contentTypeVersion="10" ma:contentTypeDescription="Create a new document." ma:contentTypeScope="" ma:versionID="a1ad7e6625308d4442da94e0b7d845e6">
-  <xsd:schema xmlns:xsd="http://www.w3.org/2001/XMLSchema" xmlns:xs="http://www.w3.org/2001/XMLSchema" xmlns:p="http://schemas.microsoft.com/office/2006/metadata/properties" xmlns:ns2="0be864d4-2e1e-4147-b554-953cb37bfd3b" targetNamespace="http://schemas.microsoft.com/office/2006/metadata/properties" ma:root="true" ma:fieldsID="5073de57432fa4b200d1c71fa5073c3f" ns2:_="">
+<ct:contentTypeSchema xmlns:ct="http://schemas.microsoft.com/office/2006/metadata/contentType" xmlns:ma="http://schemas.microsoft.com/office/2006/metadata/properties/metaAttributes" ct:_="" ma:_="" ma:contentTypeName="Document" ma:contentTypeID="0x010100B5E9EC3278278C4EAFA14CAD3949CCF2" ma:contentTypeVersion="13" ma:contentTypeDescription="Create a new document." ma:contentTypeScope="" ma:versionID="066870726479a8d0923d143b859fa277">
+  <xsd:schema xmlns:xsd="http://www.w3.org/2001/XMLSchema" xmlns:xs="http://www.w3.org/2001/XMLSchema" xmlns:p="http://schemas.microsoft.com/office/2006/metadata/properties" xmlns:ns2="0be864d4-2e1e-4147-b554-953cb37bfd3b" xmlns:ns3="230e9df3-be65-4c73-a93b-d1236ebd677e" targetNamespace="http://schemas.microsoft.com/office/2006/metadata/properties" ma:root="true" ma:fieldsID="6dcfe8dcb48d518655552da41154dd82" ns2:_="" ns3:_="">
     <xsd:import namespace="0be864d4-2e1e-4147-b554-953cb37bfd3b"/>
+    <xsd:import namespace="230e9df3-be65-4c73-a93b-d1236ebd677e"/>
     <xsd:element name="properties">
       <xsd:complexType>
         <xsd:sequence>
@@ -4467,11 +4393,12 @@
                 <xsd:element ref="ns2:MediaServiceAutoKeyPoints" minOccurs="0"/>
                 <xsd:element ref="ns2:MediaServiceKeyPoints" minOccurs="0"/>
                 <xsd:element ref="ns2:MediaServiceDateTaken" minOccurs="0"/>
-                <xsd:element ref="ns2:MediaServiceAutoTags" minOccurs="0"/>
                 <xsd:element ref="ns2:MediaServiceOCR" minOccurs="0"/>
                 <xsd:element ref="ns2:MediaServiceGenerationTime" minOccurs="0"/>
                 <xsd:element ref="ns2:MediaServiceEventHashCode" minOccurs="0"/>
                 <xsd:element ref="ns2:MediaLengthInSeconds" minOccurs="0"/>
+                <xsd:element ref="ns2:lcf76f155ced4ddcb4097134ff3c332f" minOccurs="0"/>
+                <xsd:element ref="ns3:TaxCatchAll" minOccurs="0"/>
               </xsd:all>
             </xsd:complexType>
           </xsd:element>
@@ -4509,32 +4436,49 @@
         <xsd:restriction base="dms:Text"/>
       </xsd:simpleType>
     </xsd:element>
-    <xsd:element name="MediaServiceAutoTags" ma:index="13" nillable="true" ma:displayName="Tags" ma:internalName="MediaServiceAutoTags" ma:readOnly="true">
-      <xsd:simpleType>
-        <xsd:restriction base="dms:Text"/>
-      </xsd:simpleType>
-    </xsd:element>
-    <xsd:element name="MediaServiceOCR" ma:index="14" nillable="true" ma:displayName="Extracted Text" ma:internalName="MediaServiceOCR" ma:readOnly="true">
+    <xsd:element name="MediaServiceOCR" ma:index="13" nillable="true" ma:displayName="Extracted Text" ma:internalName="MediaServiceOCR" ma:readOnly="true">
       <xsd:simpleType>
         <xsd:restriction base="dms:Note">
           <xsd:maxLength value="255"/>
         </xsd:restriction>
       </xsd:simpleType>
     </xsd:element>
-    <xsd:element name="MediaServiceGenerationTime" ma:index="15" nillable="true" ma:displayName="MediaServiceGenerationTime" ma:hidden="true" ma:internalName="MediaServiceGenerationTime" ma:readOnly="true">
+    <xsd:element name="MediaServiceGenerationTime" ma:index="14" nillable="true" ma:displayName="MediaServiceGenerationTime" ma:hidden="true" ma:internalName="MediaServiceGenerationTime" ma:readOnly="true">
       <xsd:simpleType>
         <xsd:restriction base="dms:Text"/>
       </xsd:simpleType>
     </xsd:element>
-    <xsd:element name="MediaServiceEventHashCode" ma:index="16" nillable="true" ma:displayName="MediaServiceEventHashCode" ma:hidden="true" ma:internalName="MediaServiceEventHashCode" ma:readOnly="true">
+    <xsd:element name="MediaServiceEventHashCode" ma:index="15" nillable="true" ma:displayName="MediaServiceEventHashCode" ma:hidden="true" ma:internalName="MediaServiceEventHashCode" ma:readOnly="true">
       <xsd:simpleType>
         <xsd:restriction base="dms:Text"/>
       </xsd:simpleType>
     </xsd:element>
-    <xsd:element name="MediaLengthInSeconds" ma:index="17" nillable="true" ma:displayName="Length (seconds)" ma:internalName="MediaLengthInSeconds" ma:readOnly="true">
+    <xsd:element name="MediaLengthInSeconds" ma:index="16" nillable="true" ma:displayName="Length (seconds)" ma:internalName="MediaLengthInSeconds" ma:readOnly="true">
       <xsd:simpleType>
         <xsd:restriction base="dms:Unknown"/>
       </xsd:simpleType>
+    </xsd:element>
+    <xsd:element name="lcf76f155ced4ddcb4097134ff3c332f" ma:index="18" nillable="true" ma:taxonomy="true" ma:internalName="lcf76f155ced4ddcb4097134ff3c332f" ma:taxonomyFieldName="MediaServiceImageTags" ma:displayName="Image Tags" ma:readOnly="false" ma:fieldId="{5cf76f15-5ced-4ddc-b409-7134ff3c332f}" ma:taxonomyMulti="true" ma:sspId="e385fb40-52d4-4fae-9c5b-3e8ff8a5878e" ma:termSetId="09814cd3-568e-fe90-9814-8d621ff8fb84" ma:anchorId="fba54fb3-c3e1-fe81-a776-ca4b69148c4d" ma:open="true" ma:isKeyword="false">
+      <xsd:complexType>
+        <xsd:sequence>
+          <xsd:element ref="pc:Terms" minOccurs="0" maxOccurs="1"/>
+        </xsd:sequence>
+      </xsd:complexType>
+    </xsd:element>
+  </xsd:schema>
+  <xsd:schema xmlns:xsd="http://www.w3.org/2001/XMLSchema" xmlns:xs="http://www.w3.org/2001/XMLSchema" xmlns:dms="http://schemas.microsoft.com/office/2006/documentManagement/types" xmlns:pc="http://schemas.microsoft.com/office/infopath/2007/PartnerControls" targetNamespace="230e9df3-be65-4c73-a93b-d1236ebd677e" elementFormDefault="qualified">
+    <xsd:import namespace="http://schemas.microsoft.com/office/2006/documentManagement/types"/>
+    <xsd:import namespace="http://schemas.microsoft.com/office/infopath/2007/PartnerControls"/>
+    <xsd:element name="TaxCatchAll" ma:index="19" nillable="true" ma:displayName="Taxonomy Catch All Column" ma:hidden="true" ma:list="{2022806a-f400-4704-98fd-6bee7a140790}" ma:internalName="TaxCatchAll" ma:showField="CatchAllData" ma:web="fd48c9e5-165f-4efa-8636-c00665d622b5">
+      <xsd:complexType>
+        <xsd:complexContent>
+          <xsd:extension base="dms:MultiChoiceLookup">
+            <xsd:sequence>
+              <xsd:element name="Value" type="dms:Lookup" maxOccurs="unbounded" minOccurs="0" nillable="true"/>
+            </xsd:sequence>
+          </xsd:extension>
+        </xsd:complexContent>
+      </xsd:complexType>
     </xsd:element>
   </xsd:schema>
   <xsd:schema xmlns="http://schemas.openxmlformats.org/package/2006/metadata/core-properties" xmlns:xsd="http://www.w3.org/2001/XMLSchema" xmlns:xsi="http://www.w3.org/2001/XMLSchema-instance" xmlns:dc="http://purl.org/dc/elements/1.1/" xmlns:dcterms="http://purl.org/dc/terms/" xmlns:odoc="http://schemas.microsoft.com/internal/obd" targetNamespace="http://schemas.openxmlformats.org/package/2006/metadata/core-properties" elementFormDefault="qualified" attributeFormDefault="unqualified" blockDefault="#all">
@@ -4637,12 +4581,6 @@
 </file>
 
 <file path=customXml/item2.xml><?xml version="1.0" encoding="utf-8"?>
-<p:properties xmlns:p="http://schemas.microsoft.com/office/2006/metadata/properties" xmlns:xsi="http://www.w3.org/2001/XMLSchema-instance" xmlns:pc="http://schemas.microsoft.com/office/infopath/2007/PartnerControls">
-  <documentManagement/>
-</p:properties>
-</file>
-
-<file path=customXml/item3.xml><?xml version="1.0" encoding="utf-8"?>
 <?mso-contentType ?>
 <FormTemplates xmlns="http://schemas.microsoft.com/sharepoint/v3/contenttype/forms">
   <Display>DocumentLibraryForm</Display>
@@ -4651,37 +4589,25 @@
 </FormTemplates>
 </file>
 
+<file path=customXml/item3.xml><?xml version="1.0" encoding="utf-8"?>
+<p:properties xmlns:p="http://schemas.microsoft.com/office/2006/metadata/properties" xmlns:xsi="http://www.w3.org/2001/XMLSchema-instance" xmlns:pc="http://schemas.microsoft.com/office/infopath/2007/PartnerControls">
+  <documentManagement>
+    <lcf76f155ced4ddcb4097134ff3c332f xmlns="0be864d4-2e1e-4147-b554-953cb37bfd3b">
+      <Terms xmlns="http://schemas.microsoft.com/office/infopath/2007/PartnerControls"/>
+    </lcf76f155ced4ddcb4097134ff3c332f>
+    <TaxCatchAll xmlns="230e9df3-be65-4c73-a93b-d1236ebd677e" xsi:nil="true"/>
+  </documentManagement>
+</p:properties>
+</file>
+
 <file path=customXml/itemProps1.xml><?xml version="1.0" encoding="utf-8"?>
-<ds:datastoreItem xmlns:ds="http://schemas.openxmlformats.org/officeDocument/2006/customXml" ds:itemID="{BEE96A35-5359-4DE9-96E5-232E289DF2DF}">
-  <ds:schemaRefs>
-    <ds:schemaRef ds:uri="http://schemas.microsoft.com/office/2006/metadata/contentType"/>
-    <ds:schemaRef ds:uri="http://schemas.microsoft.com/office/2006/metadata/properties/metaAttributes"/>
-    <ds:schemaRef ds:uri="http://www.w3.org/2001/XMLSchema"/>
-    <ds:schemaRef ds:uri="http://schemas.microsoft.com/office/2006/metadata/properties"/>
-    <ds:schemaRef ds:uri="0be864d4-2e1e-4147-b554-953cb37bfd3b"/>
-    <ds:schemaRef ds:uri="http://schemas.microsoft.com/office/2006/documentManagement/types"/>
-    <ds:schemaRef ds:uri="http://schemas.microsoft.com/office/infopath/2007/PartnerControls"/>
-    <ds:schemaRef ds:uri="http://schemas.openxmlformats.org/package/2006/metadata/core-properties"/>
-    <ds:schemaRef ds:uri="http://purl.org/dc/elements/1.1/"/>
-    <ds:schemaRef ds:uri="http://purl.org/dc/terms/"/>
-    <ds:schemaRef ds:uri="http://schemas.microsoft.com/internal/obd"/>
-  </ds:schemaRefs>
-</ds:datastoreItem>
+<ds:datastoreItem xmlns:ds="http://schemas.openxmlformats.org/officeDocument/2006/customXml" ds:itemID="{DF1CE69F-60CC-419D-8474-3C482011684B}"/>
 </file>
 
 <file path=customXml/itemProps2.xml><?xml version="1.0" encoding="utf-8"?>
-<ds:datastoreItem xmlns:ds="http://schemas.openxmlformats.org/officeDocument/2006/customXml" ds:itemID="{48F3C91F-BD3B-4BC9-B44E-3DA5D8784DB8}">
-  <ds:schemaRefs>
-    <ds:schemaRef ds:uri="http://schemas.microsoft.com/office/2006/metadata/properties"/>
-    <ds:schemaRef ds:uri="http://schemas.microsoft.com/office/infopath/2007/PartnerControls"/>
-  </ds:schemaRefs>
-</ds:datastoreItem>
+<ds:datastoreItem xmlns:ds="http://schemas.openxmlformats.org/officeDocument/2006/customXml" ds:itemID="{01CB96B6-4BA0-4A26-86E2-3B1EF4A07B27}"/>
 </file>
 
 <file path=customXml/itemProps3.xml><?xml version="1.0" encoding="utf-8"?>
-<ds:datastoreItem xmlns:ds="http://schemas.openxmlformats.org/officeDocument/2006/customXml" ds:itemID="{01CB96B6-4BA0-4A26-86E2-3B1EF4A07B27}">
-  <ds:schemaRefs>
-    <ds:schemaRef ds:uri="http://schemas.microsoft.com/sharepoint/v3/contenttype/forms"/>
-  </ds:schemaRefs>
-</ds:datastoreItem>
+<ds:datastoreItem xmlns:ds="http://schemas.openxmlformats.org/officeDocument/2006/customXml" ds:itemID="{48F3C91F-BD3B-4BC9-B44E-3DA5D8784DB8}"/>
 </file>